--- a/pics/2019-07-08-DTFS/pics.pptx
+++ b/pics/2019-07-08-DTFS/pics.pptx
@@ -3194,8 +3194,8 @@
           </a:p>
         </p:txBody>
       </p:sp>
-      <mc:AlternateContent xmlns:mc="http://schemas.openxmlformats.org/markup-compatibility/2006">
-        <mc:Choice xmlns:a14="http://schemas.microsoft.com/office/drawing/2010/main" Requires="a14">
+      <mc:AlternateContent xmlns:mc="http://schemas.openxmlformats.org/markup-compatibility/2006" xmlns:a14="http://schemas.microsoft.com/office/drawing/2010/main">
+        <mc:Choice Requires="a14">
           <p:sp>
             <p:nvSpPr>
               <p:cNvPr id="15" name="TextBox 14"/>
@@ -3334,7 +3334,7 @@
             </p:txBody>
           </p:sp>
         </mc:Choice>
-        <mc:Fallback>
+        <mc:Fallback xmlns="">
           <p:sp>
             <p:nvSpPr>
               <p:cNvPr id="15" name="TextBox 14"/>
@@ -3373,8 +3373,8 @@
           </p:sp>
         </mc:Fallback>
       </mc:AlternateContent>
-      <mc:AlternateContent xmlns:mc="http://schemas.openxmlformats.org/markup-compatibility/2006">
-        <mc:Choice xmlns:a14="http://schemas.microsoft.com/office/drawing/2010/main" Requires="a14">
+      <mc:AlternateContent xmlns:mc="http://schemas.openxmlformats.org/markup-compatibility/2006" xmlns:a14="http://schemas.microsoft.com/office/drawing/2010/main">
+        <mc:Choice Requires="a14">
           <p:sp>
             <p:nvSpPr>
               <p:cNvPr id="12" name="TextBox 11"/>
@@ -3513,7 +3513,7 @@
             </p:txBody>
           </p:sp>
         </mc:Choice>
-        <mc:Fallback>
+        <mc:Fallback xmlns="">
           <p:sp>
             <p:nvSpPr>
               <p:cNvPr id="12" name="TextBox 11"/>
@@ -3552,8 +3552,8 @@
           </p:sp>
         </mc:Fallback>
       </mc:AlternateContent>
-      <mc:AlternateContent xmlns:mc="http://schemas.openxmlformats.org/markup-compatibility/2006">
-        <mc:Choice xmlns:a14="http://schemas.microsoft.com/office/drawing/2010/main" Requires="a14">
+      <mc:AlternateContent xmlns:mc="http://schemas.openxmlformats.org/markup-compatibility/2006" xmlns:a14="http://schemas.microsoft.com/office/drawing/2010/main">
+        <mc:Choice Requires="a14">
           <p:sp>
             <p:nvSpPr>
               <p:cNvPr id="19" name="TextBox 18"/>
@@ -3692,7 +3692,7 @@
             </p:txBody>
           </p:sp>
         </mc:Choice>
-        <mc:Fallback>
+        <mc:Fallback xmlns="">
           <p:sp>
             <p:nvSpPr>
               <p:cNvPr id="19" name="TextBox 18"/>
@@ -3731,8 +3731,8 @@
           </p:sp>
         </mc:Fallback>
       </mc:AlternateContent>
-      <mc:AlternateContent xmlns:mc="http://schemas.openxmlformats.org/markup-compatibility/2006">
-        <mc:Choice xmlns:a14="http://schemas.microsoft.com/office/drawing/2010/main" Requires="a14">
+      <mc:AlternateContent xmlns:mc="http://schemas.openxmlformats.org/markup-compatibility/2006" xmlns:a14="http://schemas.microsoft.com/office/drawing/2010/main">
+        <mc:Choice Requires="a14">
           <p:sp>
             <p:nvSpPr>
               <p:cNvPr id="20" name="TextBox 19"/>
@@ -3871,7 +3871,7 @@
             </p:txBody>
           </p:sp>
         </mc:Choice>
-        <mc:Fallback>
+        <mc:Fallback xmlns="">
           <p:sp>
             <p:nvSpPr>
               <p:cNvPr id="20" name="TextBox 19"/>
@@ -3910,8 +3910,8 @@
           </p:sp>
         </mc:Fallback>
       </mc:AlternateContent>
-      <mc:AlternateContent xmlns:mc="http://schemas.openxmlformats.org/markup-compatibility/2006">
-        <mc:Choice xmlns:a14="http://schemas.microsoft.com/office/drawing/2010/main" Requires="a14">
+      <mc:AlternateContent xmlns:mc="http://schemas.openxmlformats.org/markup-compatibility/2006" xmlns:a14="http://schemas.microsoft.com/office/drawing/2010/main">
+        <mc:Choice Requires="a14">
           <p:sp>
             <p:nvSpPr>
               <p:cNvPr id="21" name="TextBox 20"/>
@@ -4050,7 +4050,7 @@
             </p:txBody>
           </p:sp>
         </mc:Choice>
-        <mc:Fallback>
+        <mc:Fallback xmlns="">
           <p:sp>
             <p:nvSpPr>
               <p:cNvPr id="21" name="TextBox 20"/>
@@ -4089,8 +4089,8 @@
           </p:sp>
         </mc:Fallback>
       </mc:AlternateContent>
-      <mc:AlternateContent xmlns:mc="http://schemas.openxmlformats.org/markup-compatibility/2006">
-        <mc:Choice xmlns:a14="http://schemas.microsoft.com/office/drawing/2010/main" Requires="a14">
+      <mc:AlternateContent xmlns:mc="http://schemas.openxmlformats.org/markup-compatibility/2006" xmlns:a14="http://schemas.microsoft.com/office/drawing/2010/main">
+        <mc:Choice Requires="a14">
           <p:sp>
             <p:nvSpPr>
               <p:cNvPr id="22" name="TextBox 21"/>
@@ -4229,7 +4229,7 @@
             </p:txBody>
           </p:sp>
         </mc:Choice>
-        <mc:Fallback>
+        <mc:Fallback xmlns="">
           <p:sp>
             <p:nvSpPr>
               <p:cNvPr id="22" name="TextBox 21"/>
@@ -4268,6 +4268,36 @@
           </p:sp>
         </mc:Fallback>
       </mc:AlternateContent>
+      <p:sp>
+        <p:nvSpPr>
+          <p:cNvPr id="3" name="TextBox 2"/>
+          <p:cNvSpPr txBox="1"/>
+          <p:nvPr/>
+        </p:nvSpPr>
+        <p:spPr>
+          <a:xfrm>
+            <a:off x="6630503" y="3429000"/>
+            <a:ext cx="657552" cy="261610"/>
+          </a:xfrm>
+          <a:prstGeom prst="rect">
+            <a:avLst/>
+          </a:prstGeom>
+          <a:noFill/>
+        </p:spPr>
+        <p:txBody>
+          <a:bodyPr wrap="none" rtlCol="0">
+            <a:spAutoFit/>
+          </a:bodyPr>
+          <a:lstStyle/>
+          <a:p>
+            <a:r>
+              <a:rPr lang="ko-KR" altLang="en-US" sz="1100" smtClean="0"/>
+              <a:t>실수 축</a:t>
+            </a:r>
+            <a:endParaRPr lang="ko-KR" altLang="en-US" sz="1100"/>
+          </a:p>
+        </p:txBody>
+      </p:sp>
     </p:spTree>
     <p:extLst>
       <p:ext uri="{BB962C8B-B14F-4D97-AF65-F5344CB8AC3E}">

--- a/pics/2019-07-08-DTFS/pics.pptx
+++ b/pics/2019-07-08-DTFS/pics.pptx
@@ -6,8 +6,11 @@
   </p:sldMasterIdLst>
   <p:sldIdLst>
     <p:sldId id="259" r:id="rId2"/>
-    <p:sldId id="258" r:id="rId3"/>
-    <p:sldId id="256" r:id="rId4"/>
+    <p:sldId id="260" r:id="rId3"/>
+    <p:sldId id="261" r:id="rId4"/>
+    <p:sldId id="258" r:id="rId5"/>
+    <p:sldId id="256" r:id="rId6"/>
+    <p:sldId id="262" r:id="rId7"/>
   </p:sldIdLst>
   <p:sldSz cx="9144000" cy="6858000" type="screen4x3"/>
   <p:notesSz cx="6858000" cy="9144000"/>
@@ -106,6 +109,22 @@
       </a:defRPr>
     </a:lvl9pPr>
   </p:defaultTextStyle>
+  <p:extLst>
+    <p:ext uri="{EFAFB233-063F-42B5-8137-9DF3F51BA10A}">
+      <p15:sldGuideLst xmlns:p15="http://schemas.microsoft.com/office/powerpoint/2012/main">
+        <p15:guide id="1" orient="horz" pos="2160">
+          <p15:clr>
+            <a:srgbClr val="A4A3A4"/>
+          </p15:clr>
+        </p15:guide>
+        <p15:guide id="2" pos="2880">
+          <p15:clr>
+            <a:srgbClr val="A4A3A4"/>
+          </p15:clr>
+        </p15:guide>
+      </p15:sldGuideLst>
+    </p:ext>
+  </p:extLst>
 </p:presentation>
 </file>
 
@@ -147,10 +166,9 @@
           <a:lstStyle/>
           <a:p>
             <a:r>
-              <a:rPr lang="ko-KR" altLang="en-US" smtClean="0"/>
+              <a:rPr lang="ko-KR" altLang="en-US"/>
               <a:t>마스터 제목 스타일 편집</a:t>
             </a:r>
-            <a:endParaRPr lang="ko-KR" altLang="en-US"/>
           </a:p>
         </p:txBody>
       </p:sp>
@@ -266,10 +284,9 @@
           </a:lstStyle>
           <a:p>
             <a:r>
-              <a:rPr lang="ko-KR" altLang="en-US" smtClean="0"/>
+              <a:rPr lang="ko-KR" altLang="en-US"/>
               <a:t>마스터 부제목 스타일 편집</a:t>
             </a:r>
-            <a:endParaRPr lang="ko-KR" altLang="en-US"/>
           </a:p>
         </p:txBody>
       </p:sp>
@@ -290,7 +307,7 @@
           <a:p>
             <a:fld id="{FB30EDBD-1C2D-4C1E-B459-B60219FAB484}" type="datetimeFigureOut">
               <a:rPr lang="ko-KR" altLang="en-US" smtClean="0"/>
-              <a:t>2022-01-20</a:t>
+              <a:t>2023-04-18</a:t>
             </a:fld>
             <a:endParaRPr lang="ko-KR" altLang="en-US"/>
           </a:p>
@@ -379,10 +396,9 @@
           <a:lstStyle/>
           <a:p>
             <a:r>
-              <a:rPr lang="ko-KR" altLang="en-US" smtClean="0"/>
+              <a:rPr lang="ko-KR" altLang="en-US"/>
               <a:t>마스터 제목 스타일 편집</a:t>
             </a:r>
-            <a:endParaRPr lang="ko-KR" altLang="en-US"/>
           </a:p>
         </p:txBody>
       </p:sp>
@@ -403,38 +419,37 @@
           <a:p>
             <a:pPr lvl="0"/>
             <a:r>
-              <a:rPr lang="ko-KR" altLang="en-US" smtClean="0"/>
+              <a:rPr lang="ko-KR" altLang="en-US"/>
               <a:t>마스터 텍스트 스타일을 편집합니다</a:t>
             </a:r>
           </a:p>
           <a:p>
             <a:pPr lvl="1"/>
             <a:r>
-              <a:rPr lang="ko-KR" altLang="en-US" smtClean="0"/>
+              <a:rPr lang="ko-KR" altLang="en-US"/>
               <a:t>둘째 수준</a:t>
             </a:r>
           </a:p>
           <a:p>
             <a:pPr lvl="2"/>
             <a:r>
-              <a:rPr lang="ko-KR" altLang="en-US" smtClean="0"/>
+              <a:rPr lang="ko-KR" altLang="en-US"/>
               <a:t>셋째 수준</a:t>
             </a:r>
           </a:p>
           <a:p>
             <a:pPr lvl="3"/>
             <a:r>
-              <a:rPr lang="ko-KR" altLang="en-US" smtClean="0"/>
+              <a:rPr lang="ko-KR" altLang="en-US"/>
               <a:t>넷째 수준</a:t>
             </a:r>
           </a:p>
           <a:p>
             <a:pPr lvl="4"/>
             <a:r>
-              <a:rPr lang="ko-KR" altLang="en-US" smtClean="0"/>
+              <a:rPr lang="ko-KR" altLang="en-US"/>
               <a:t>다섯째 수준</a:t>
             </a:r>
-            <a:endParaRPr lang="ko-KR" altLang="en-US"/>
           </a:p>
         </p:txBody>
       </p:sp>
@@ -455,7 +470,7 @@
           <a:p>
             <a:fld id="{FB30EDBD-1C2D-4C1E-B459-B60219FAB484}" type="datetimeFigureOut">
               <a:rPr lang="ko-KR" altLang="en-US" smtClean="0"/>
-              <a:t>2022-01-20</a:t>
+              <a:t>2023-04-18</a:t>
             </a:fld>
             <a:endParaRPr lang="ko-KR" altLang="en-US"/>
           </a:p>
@@ -549,10 +564,9 @@
           <a:lstStyle/>
           <a:p>
             <a:r>
-              <a:rPr lang="ko-KR" altLang="en-US" smtClean="0"/>
+              <a:rPr lang="ko-KR" altLang="en-US"/>
               <a:t>마스터 제목 스타일 편집</a:t>
             </a:r>
-            <a:endParaRPr lang="ko-KR" altLang="en-US"/>
           </a:p>
         </p:txBody>
       </p:sp>
@@ -578,38 +592,37 @@
           <a:p>
             <a:pPr lvl="0"/>
             <a:r>
-              <a:rPr lang="ko-KR" altLang="en-US" smtClean="0"/>
+              <a:rPr lang="ko-KR" altLang="en-US"/>
               <a:t>마스터 텍스트 스타일을 편집합니다</a:t>
             </a:r>
           </a:p>
           <a:p>
             <a:pPr lvl="1"/>
             <a:r>
-              <a:rPr lang="ko-KR" altLang="en-US" smtClean="0"/>
+              <a:rPr lang="ko-KR" altLang="en-US"/>
               <a:t>둘째 수준</a:t>
             </a:r>
           </a:p>
           <a:p>
             <a:pPr lvl="2"/>
             <a:r>
-              <a:rPr lang="ko-KR" altLang="en-US" smtClean="0"/>
+              <a:rPr lang="ko-KR" altLang="en-US"/>
               <a:t>셋째 수준</a:t>
             </a:r>
           </a:p>
           <a:p>
             <a:pPr lvl="3"/>
             <a:r>
-              <a:rPr lang="ko-KR" altLang="en-US" smtClean="0"/>
+              <a:rPr lang="ko-KR" altLang="en-US"/>
               <a:t>넷째 수준</a:t>
             </a:r>
           </a:p>
           <a:p>
             <a:pPr lvl="4"/>
             <a:r>
-              <a:rPr lang="ko-KR" altLang="en-US" smtClean="0"/>
+              <a:rPr lang="ko-KR" altLang="en-US"/>
               <a:t>다섯째 수준</a:t>
             </a:r>
-            <a:endParaRPr lang="ko-KR" altLang="en-US"/>
           </a:p>
         </p:txBody>
       </p:sp>
@@ -630,7 +643,7 @@
           <a:p>
             <a:fld id="{FB30EDBD-1C2D-4C1E-B459-B60219FAB484}" type="datetimeFigureOut">
               <a:rPr lang="ko-KR" altLang="en-US" smtClean="0"/>
-              <a:t>2022-01-20</a:t>
+              <a:t>2023-04-18</a:t>
             </a:fld>
             <a:endParaRPr lang="ko-KR" altLang="en-US"/>
           </a:p>
@@ -719,10 +732,9 @@
           <a:lstStyle/>
           <a:p>
             <a:r>
-              <a:rPr lang="ko-KR" altLang="en-US" smtClean="0"/>
+              <a:rPr lang="ko-KR" altLang="en-US"/>
               <a:t>마스터 제목 스타일 편집</a:t>
             </a:r>
-            <a:endParaRPr lang="ko-KR" altLang="en-US"/>
           </a:p>
         </p:txBody>
       </p:sp>
@@ -743,38 +755,37 @@
           <a:p>
             <a:pPr lvl="0"/>
             <a:r>
-              <a:rPr lang="ko-KR" altLang="en-US" smtClean="0"/>
+              <a:rPr lang="ko-KR" altLang="en-US"/>
               <a:t>마스터 텍스트 스타일을 편집합니다</a:t>
             </a:r>
           </a:p>
           <a:p>
             <a:pPr lvl="1"/>
             <a:r>
-              <a:rPr lang="ko-KR" altLang="en-US" smtClean="0"/>
+              <a:rPr lang="ko-KR" altLang="en-US"/>
               <a:t>둘째 수준</a:t>
             </a:r>
           </a:p>
           <a:p>
             <a:pPr lvl="2"/>
             <a:r>
-              <a:rPr lang="ko-KR" altLang="en-US" smtClean="0"/>
+              <a:rPr lang="ko-KR" altLang="en-US"/>
               <a:t>셋째 수준</a:t>
             </a:r>
           </a:p>
           <a:p>
             <a:pPr lvl="3"/>
             <a:r>
-              <a:rPr lang="ko-KR" altLang="en-US" smtClean="0"/>
+              <a:rPr lang="ko-KR" altLang="en-US"/>
               <a:t>넷째 수준</a:t>
             </a:r>
           </a:p>
           <a:p>
             <a:pPr lvl="4"/>
             <a:r>
-              <a:rPr lang="ko-KR" altLang="en-US" smtClean="0"/>
+              <a:rPr lang="ko-KR" altLang="en-US"/>
               <a:t>다섯째 수준</a:t>
             </a:r>
-            <a:endParaRPr lang="ko-KR" altLang="en-US"/>
           </a:p>
         </p:txBody>
       </p:sp>
@@ -795,7 +806,7 @@
           <a:p>
             <a:fld id="{FB30EDBD-1C2D-4C1E-B459-B60219FAB484}" type="datetimeFigureOut">
               <a:rPr lang="ko-KR" altLang="en-US" smtClean="0"/>
-              <a:t>2022-01-20</a:t>
+              <a:t>2023-04-18</a:t>
             </a:fld>
             <a:endParaRPr lang="ko-KR" altLang="en-US"/>
           </a:p>
@@ -893,10 +904,9 @@
           </a:lstStyle>
           <a:p>
             <a:r>
-              <a:rPr lang="ko-KR" altLang="en-US" smtClean="0"/>
+              <a:rPr lang="ko-KR" altLang="en-US"/>
               <a:t>마스터 제목 스타일 편집</a:t>
             </a:r>
-            <a:endParaRPr lang="ko-KR" altLang="en-US"/>
           </a:p>
         </p:txBody>
       </p:sp>
@@ -1013,7 +1023,7 @@
           <a:p>
             <a:pPr lvl="0"/>
             <a:r>
-              <a:rPr lang="ko-KR" altLang="en-US" smtClean="0"/>
+              <a:rPr lang="ko-KR" altLang="en-US"/>
               <a:t>마스터 텍스트 스타일을 편집합니다</a:t>
             </a:r>
           </a:p>
@@ -1036,7 +1046,7 @@
           <a:p>
             <a:fld id="{FB30EDBD-1C2D-4C1E-B459-B60219FAB484}" type="datetimeFigureOut">
               <a:rPr lang="ko-KR" altLang="en-US" smtClean="0"/>
-              <a:t>2022-01-20</a:t>
+              <a:t>2023-04-18</a:t>
             </a:fld>
             <a:endParaRPr lang="ko-KR" altLang="en-US"/>
           </a:p>
@@ -1125,10 +1135,9 @@
           <a:lstStyle/>
           <a:p>
             <a:r>
-              <a:rPr lang="ko-KR" altLang="en-US" smtClean="0"/>
+              <a:rPr lang="ko-KR" altLang="en-US"/>
               <a:t>마스터 제목 스타일 편집</a:t>
             </a:r>
-            <a:endParaRPr lang="ko-KR" altLang="en-US"/>
           </a:p>
         </p:txBody>
       </p:sp>
@@ -1182,38 +1191,37 @@
           <a:p>
             <a:pPr lvl="0"/>
             <a:r>
-              <a:rPr lang="ko-KR" altLang="en-US" smtClean="0"/>
+              <a:rPr lang="ko-KR" altLang="en-US"/>
               <a:t>마스터 텍스트 스타일을 편집합니다</a:t>
             </a:r>
           </a:p>
           <a:p>
             <a:pPr lvl="1"/>
             <a:r>
-              <a:rPr lang="ko-KR" altLang="en-US" smtClean="0"/>
+              <a:rPr lang="ko-KR" altLang="en-US"/>
               <a:t>둘째 수준</a:t>
             </a:r>
           </a:p>
           <a:p>
             <a:pPr lvl="2"/>
             <a:r>
-              <a:rPr lang="ko-KR" altLang="en-US" smtClean="0"/>
+              <a:rPr lang="ko-KR" altLang="en-US"/>
               <a:t>셋째 수준</a:t>
             </a:r>
           </a:p>
           <a:p>
             <a:pPr lvl="3"/>
             <a:r>
-              <a:rPr lang="ko-KR" altLang="en-US" smtClean="0"/>
+              <a:rPr lang="ko-KR" altLang="en-US"/>
               <a:t>넷째 수준</a:t>
             </a:r>
           </a:p>
           <a:p>
             <a:pPr lvl="4"/>
             <a:r>
-              <a:rPr lang="ko-KR" altLang="en-US" smtClean="0"/>
+              <a:rPr lang="ko-KR" altLang="en-US"/>
               <a:t>다섯째 수준</a:t>
             </a:r>
-            <a:endParaRPr lang="ko-KR" altLang="en-US"/>
           </a:p>
         </p:txBody>
       </p:sp>
@@ -1267,38 +1275,37 @@
           <a:p>
             <a:pPr lvl="0"/>
             <a:r>
-              <a:rPr lang="ko-KR" altLang="en-US" smtClean="0"/>
+              <a:rPr lang="ko-KR" altLang="en-US"/>
               <a:t>마스터 텍스트 스타일을 편집합니다</a:t>
             </a:r>
           </a:p>
           <a:p>
             <a:pPr lvl="1"/>
             <a:r>
-              <a:rPr lang="ko-KR" altLang="en-US" smtClean="0"/>
+              <a:rPr lang="ko-KR" altLang="en-US"/>
               <a:t>둘째 수준</a:t>
             </a:r>
           </a:p>
           <a:p>
             <a:pPr lvl="2"/>
             <a:r>
-              <a:rPr lang="ko-KR" altLang="en-US" smtClean="0"/>
+              <a:rPr lang="ko-KR" altLang="en-US"/>
               <a:t>셋째 수준</a:t>
             </a:r>
           </a:p>
           <a:p>
             <a:pPr lvl="3"/>
             <a:r>
-              <a:rPr lang="ko-KR" altLang="en-US" smtClean="0"/>
+              <a:rPr lang="ko-KR" altLang="en-US"/>
               <a:t>넷째 수준</a:t>
             </a:r>
           </a:p>
           <a:p>
             <a:pPr lvl="4"/>
             <a:r>
-              <a:rPr lang="ko-KR" altLang="en-US" smtClean="0"/>
+              <a:rPr lang="ko-KR" altLang="en-US"/>
               <a:t>다섯째 수준</a:t>
             </a:r>
-            <a:endParaRPr lang="ko-KR" altLang="en-US"/>
           </a:p>
         </p:txBody>
       </p:sp>
@@ -1319,7 +1326,7 @@
           <a:p>
             <a:fld id="{FB30EDBD-1C2D-4C1E-B459-B60219FAB484}" type="datetimeFigureOut">
               <a:rPr lang="ko-KR" altLang="en-US" smtClean="0"/>
-              <a:t>2022-01-20</a:t>
+              <a:t>2023-04-18</a:t>
             </a:fld>
             <a:endParaRPr lang="ko-KR" altLang="en-US"/>
           </a:p>
@@ -1412,10 +1419,9 @@
           </a:lstStyle>
           <a:p>
             <a:r>
-              <a:rPr lang="ko-KR" altLang="en-US" smtClean="0"/>
+              <a:rPr lang="ko-KR" altLang="en-US"/>
               <a:t>마스터 제목 스타일 편집</a:t>
             </a:r>
-            <a:endParaRPr lang="ko-KR" altLang="en-US"/>
           </a:p>
         </p:txBody>
       </p:sp>
@@ -1478,7 +1484,7 @@
           <a:p>
             <a:pPr lvl="0"/>
             <a:r>
-              <a:rPr lang="ko-KR" altLang="en-US" smtClean="0"/>
+              <a:rPr lang="ko-KR" altLang="en-US"/>
               <a:t>마스터 텍스트 스타일을 편집합니다</a:t>
             </a:r>
           </a:p>
@@ -1534,38 +1540,37 @@
           <a:p>
             <a:pPr lvl="0"/>
             <a:r>
-              <a:rPr lang="ko-KR" altLang="en-US" smtClean="0"/>
+              <a:rPr lang="ko-KR" altLang="en-US"/>
               <a:t>마스터 텍스트 스타일을 편집합니다</a:t>
             </a:r>
           </a:p>
           <a:p>
             <a:pPr lvl="1"/>
             <a:r>
-              <a:rPr lang="ko-KR" altLang="en-US" smtClean="0"/>
+              <a:rPr lang="ko-KR" altLang="en-US"/>
               <a:t>둘째 수준</a:t>
             </a:r>
           </a:p>
           <a:p>
             <a:pPr lvl="2"/>
             <a:r>
-              <a:rPr lang="ko-KR" altLang="en-US" smtClean="0"/>
+              <a:rPr lang="ko-KR" altLang="en-US"/>
               <a:t>셋째 수준</a:t>
             </a:r>
           </a:p>
           <a:p>
             <a:pPr lvl="3"/>
             <a:r>
-              <a:rPr lang="ko-KR" altLang="en-US" smtClean="0"/>
+              <a:rPr lang="ko-KR" altLang="en-US"/>
               <a:t>넷째 수준</a:t>
             </a:r>
           </a:p>
           <a:p>
             <a:pPr lvl="4"/>
             <a:r>
-              <a:rPr lang="ko-KR" altLang="en-US" smtClean="0"/>
+              <a:rPr lang="ko-KR" altLang="en-US"/>
               <a:t>다섯째 수준</a:t>
             </a:r>
-            <a:endParaRPr lang="ko-KR" altLang="en-US"/>
           </a:p>
         </p:txBody>
       </p:sp>
@@ -1628,7 +1633,7 @@
           <a:p>
             <a:pPr lvl="0"/>
             <a:r>
-              <a:rPr lang="ko-KR" altLang="en-US" smtClean="0"/>
+              <a:rPr lang="ko-KR" altLang="en-US"/>
               <a:t>마스터 텍스트 스타일을 편집합니다</a:t>
             </a:r>
           </a:p>
@@ -1684,38 +1689,37 @@
           <a:p>
             <a:pPr lvl="0"/>
             <a:r>
-              <a:rPr lang="ko-KR" altLang="en-US" smtClean="0"/>
+              <a:rPr lang="ko-KR" altLang="en-US"/>
               <a:t>마스터 텍스트 스타일을 편집합니다</a:t>
             </a:r>
           </a:p>
           <a:p>
             <a:pPr lvl="1"/>
             <a:r>
-              <a:rPr lang="ko-KR" altLang="en-US" smtClean="0"/>
+              <a:rPr lang="ko-KR" altLang="en-US"/>
               <a:t>둘째 수준</a:t>
             </a:r>
           </a:p>
           <a:p>
             <a:pPr lvl="2"/>
             <a:r>
-              <a:rPr lang="ko-KR" altLang="en-US" smtClean="0"/>
+              <a:rPr lang="ko-KR" altLang="en-US"/>
               <a:t>셋째 수준</a:t>
             </a:r>
           </a:p>
           <a:p>
             <a:pPr lvl="3"/>
             <a:r>
-              <a:rPr lang="ko-KR" altLang="en-US" smtClean="0"/>
+              <a:rPr lang="ko-KR" altLang="en-US"/>
               <a:t>넷째 수준</a:t>
             </a:r>
           </a:p>
           <a:p>
             <a:pPr lvl="4"/>
             <a:r>
-              <a:rPr lang="ko-KR" altLang="en-US" smtClean="0"/>
+              <a:rPr lang="ko-KR" altLang="en-US"/>
               <a:t>다섯째 수준</a:t>
             </a:r>
-            <a:endParaRPr lang="ko-KR" altLang="en-US"/>
           </a:p>
         </p:txBody>
       </p:sp>
@@ -1736,7 +1740,7 @@
           <a:p>
             <a:fld id="{FB30EDBD-1C2D-4C1E-B459-B60219FAB484}" type="datetimeFigureOut">
               <a:rPr lang="ko-KR" altLang="en-US" smtClean="0"/>
-              <a:t>2022-01-20</a:t>
+              <a:t>2023-04-18</a:t>
             </a:fld>
             <a:endParaRPr lang="ko-KR" altLang="en-US"/>
           </a:p>
@@ -1825,10 +1829,9 @@
           <a:lstStyle/>
           <a:p>
             <a:r>
-              <a:rPr lang="ko-KR" altLang="en-US" smtClean="0"/>
+              <a:rPr lang="ko-KR" altLang="en-US"/>
               <a:t>마스터 제목 스타일 편집</a:t>
             </a:r>
-            <a:endParaRPr lang="ko-KR" altLang="en-US"/>
           </a:p>
         </p:txBody>
       </p:sp>
@@ -1849,7 +1852,7 @@
           <a:p>
             <a:fld id="{FB30EDBD-1C2D-4C1E-B459-B60219FAB484}" type="datetimeFigureOut">
               <a:rPr lang="ko-KR" altLang="en-US" smtClean="0"/>
-              <a:t>2022-01-20</a:t>
+              <a:t>2023-04-18</a:t>
             </a:fld>
             <a:endParaRPr lang="ko-KR" altLang="en-US"/>
           </a:p>
@@ -1939,7 +1942,7 @@
           <a:p>
             <a:fld id="{FB30EDBD-1C2D-4C1E-B459-B60219FAB484}" type="datetimeFigureOut">
               <a:rPr lang="ko-KR" altLang="en-US" smtClean="0"/>
-              <a:t>2022-01-20</a:t>
+              <a:t>2023-04-18</a:t>
             </a:fld>
             <a:endParaRPr lang="ko-KR" altLang="en-US"/>
           </a:p>
@@ -2037,10 +2040,9 @@
           </a:lstStyle>
           <a:p>
             <a:r>
-              <a:rPr lang="ko-KR" altLang="en-US" smtClean="0"/>
+              <a:rPr lang="ko-KR" altLang="en-US"/>
               <a:t>마스터 제목 스타일 편집</a:t>
             </a:r>
-            <a:endParaRPr lang="ko-KR" altLang="en-US"/>
           </a:p>
         </p:txBody>
       </p:sp>
@@ -2094,38 +2096,37 @@
           <a:p>
             <a:pPr lvl="0"/>
             <a:r>
-              <a:rPr lang="ko-KR" altLang="en-US" smtClean="0"/>
+              <a:rPr lang="ko-KR" altLang="en-US"/>
               <a:t>마스터 텍스트 스타일을 편집합니다</a:t>
             </a:r>
           </a:p>
           <a:p>
             <a:pPr lvl="1"/>
             <a:r>
-              <a:rPr lang="ko-KR" altLang="en-US" smtClean="0"/>
+              <a:rPr lang="ko-KR" altLang="en-US"/>
               <a:t>둘째 수준</a:t>
             </a:r>
           </a:p>
           <a:p>
             <a:pPr lvl="2"/>
             <a:r>
-              <a:rPr lang="ko-KR" altLang="en-US" smtClean="0"/>
+              <a:rPr lang="ko-KR" altLang="en-US"/>
               <a:t>셋째 수준</a:t>
             </a:r>
           </a:p>
           <a:p>
             <a:pPr lvl="3"/>
             <a:r>
-              <a:rPr lang="ko-KR" altLang="en-US" smtClean="0"/>
+              <a:rPr lang="ko-KR" altLang="en-US"/>
               <a:t>넷째 수준</a:t>
             </a:r>
           </a:p>
           <a:p>
             <a:pPr lvl="4"/>
             <a:r>
-              <a:rPr lang="ko-KR" altLang="en-US" smtClean="0"/>
+              <a:rPr lang="ko-KR" altLang="en-US"/>
               <a:t>다섯째 수준</a:t>
             </a:r>
-            <a:endParaRPr lang="ko-KR" altLang="en-US"/>
           </a:p>
         </p:txBody>
       </p:sp>
@@ -2188,7 +2189,7 @@
           <a:p>
             <a:pPr lvl="0"/>
             <a:r>
-              <a:rPr lang="ko-KR" altLang="en-US" smtClean="0"/>
+              <a:rPr lang="ko-KR" altLang="en-US"/>
               <a:t>마스터 텍스트 스타일을 편집합니다</a:t>
             </a:r>
           </a:p>
@@ -2211,7 +2212,7 @@
           <a:p>
             <a:fld id="{FB30EDBD-1C2D-4C1E-B459-B60219FAB484}" type="datetimeFigureOut">
               <a:rPr lang="ko-KR" altLang="en-US" smtClean="0"/>
-              <a:t>2022-01-20</a:t>
+              <a:t>2023-04-18</a:t>
             </a:fld>
             <a:endParaRPr lang="ko-KR" altLang="en-US"/>
           </a:p>
@@ -2309,10 +2310,9 @@
           </a:lstStyle>
           <a:p>
             <a:r>
-              <a:rPr lang="ko-KR" altLang="en-US" smtClean="0"/>
+              <a:rPr lang="ko-KR" altLang="en-US"/>
               <a:t>마스터 제목 스타일 편집</a:t>
             </a:r>
-            <a:endParaRPr lang="ko-KR" altLang="en-US"/>
           </a:p>
         </p:txBody>
       </p:sp>
@@ -2436,7 +2436,7 @@
           <a:p>
             <a:pPr lvl="0"/>
             <a:r>
-              <a:rPr lang="ko-KR" altLang="en-US" smtClean="0"/>
+              <a:rPr lang="ko-KR" altLang="en-US"/>
               <a:t>마스터 텍스트 스타일을 편집합니다</a:t>
             </a:r>
           </a:p>
@@ -2459,7 +2459,7 @@
           <a:p>
             <a:fld id="{FB30EDBD-1C2D-4C1E-B459-B60219FAB484}" type="datetimeFigureOut">
               <a:rPr lang="ko-KR" altLang="en-US" smtClean="0"/>
-              <a:t>2022-01-20</a:t>
+              <a:t>2023-04-18</a:t>
             </a:fld>
             <a:endParaRPr lang="ko-KR" altLang="en-US"/>
           </a:p>
@@ -2563,10 +2563,9 @@
           <a:lstStyle/>
           <a:p>
             <a:r>
-              <a:rPr lang="ko-KR" altLang="en-US" smtClean="0"/>
+              <a:rPr lang="ko-KR" altLang="en-US"/>
               <a:t>마스터 제목 스타일 편집</a:t>
             </a:r>
-            <a:endParaRPr lang="ko-KR" altLang="en-US"/>
           </a:p>
         </p:txBody>
       </p:sp>
@@ -2597,38 +2596,37 @@
           <a:p>
             <a:pPr lvl="0"/>
             <a:r>
-              <a:rPr lang="ko-KR" altLang="en-US" smtClean="0"/>
+              <a:rPr lang="ko-KR" altLang="en-US"/>
               <a:t>마스터 텍스트 스타일을 편집합니다</a:t>
             </a:r>
           </a:p>
           <a:p>
             <a:pPr lvl="1"/>
             <a:r>
-              <a:rPr lang="ko-KR" altLang="en-US" smtClean="0"/>
+              <a:rPr lang="ko-KR" altLang="en-US"/>
               <a:t>둘째 수준</a:t>
             </a:r>
           </a:p>
           <a:p>
             <a:pPr lvl="2"/>
             <a:r>
-              <a:rPr lang="ko-KR" altLang="en-US" smtClean="0"/>
+              <a:rPr lang="ko-KR" altLang="en-US"/>
               <a:t>셋째 수준</a:t>
             </a:r>
           </a:p>
           <a:p>
             <a:pPr lvl="3"/>
             <a:r>
-              <a:rPr lang="ko-KR" altLang="en-US" smtClean="0"/>
+              <a:rPr lang="ko-KR" altLang="en-US"/>
               <a:t>넷째 수준</a:t>
             </a:r>
           </a:p>
           <a:p>
             <a:pPr lvl="4"/>
             <a:r>
-              <a:rPr lang="ko-KR" altLang="en-US" smtClean="0"/>
+              <a:rPr lang="ko-KR" altLang="en-US"/>
               <a:t>다섯째 수준</a:t>
             </a:r>
-            <a:endParaRPr lang="ko-KR" altLang="en-US"/>
           </a:p>
         </p:txBody>
       </p:sp>
@@ -2667,7 +2665,7 @@
           <a:p>
             <a:fld id="{FB30EDBD-1C2D-4C1E-B459-B60219FAB484}" type="datetimeFigureOut">
               <a:rPr lang="ko-KR" altLang="en-US" smtClean="0"/>
-              <a:t>2022-01-20</a:t>
+              <a:t>2023-04-18</a:t>
             </a:fld>
             <a:endParaRPr lang="ko-KR" altLang="en-US"/>
           </a:p>
@@ -3229,7 +3227,7 @@
                         <m:funcPr>
                           <m:ctrlPr>
                             <a:rPr lang="en-US" altLang="ko-KR" sz="1100" b="0" i="1" smtClean="0">
-                              <a:latin typeface="Cambria Math"/>
+                              <a:latin typeface="Cambria Math" panose="02040503050406030204" pitchFamily="18" charset="0"/>
                             </a:rPr>
                           </m:ctrlPr>
                         </m:funcPr>
@@ -3249,7 +3247,7 @@
                             <m:dPr>
                               <m:ctrlPr>
                                 <a:rPr lang="en-US" altLang="ko-KR" sz="1100" b="0" i="1" smtClean="0">
-                                  <a:latin typeface="Cambria Math"/>
+                                  <a:latin typeface="Cambria Math" panose="02040503050406030204" pitchFamily="18" charset="0"/>
                                 </a:rPr>
                               </m:ctrlPr>
                             </m:dPr>
@@ -3264,7 +3262,7 @@
                                 <m:fPr>
                                   <m:ctrlPr>
                                     <a:rPr lang="en-US" altLang="ko-KR" sz="1100" b="0" i="1" smtClean="0">
-                                      <a:latin typeface="Cambria Math"/>
+                                      <a:latin typeface="Cambria Math" panose="02040503050406030204" pitchFamily="18" charset="0"/>
                                     </a:rPr>
                                   </m:ctrlPr>
                                 </m:fPr>
@@ -3304,7 +3302,7 @@
                     </m:oMath>
                   </m:oMathPara>
                 </a14:m>
-                <a:endParaRPr lang="en-US" altLang="ko-KR" sz="1100" b="0" dirty="0" smtClean="0"/>
+                <a:endParaRPr lang="en-US" altLang="ko-KR" sz="1100" b="0" dirty="0"/>
               </a:p>
               <a:p>
                 <a:pPr/>
@@ -3329,7 +3327,7 @@
                     </m:oMath>
                   </m:oMathPara>
                 </a14:m>
-                <a:endParaRPr lang="en-US" altLang="ko-KR" sz="1100" b="0" dirty="0" smtClean="0"/>
+                <a:endParaRPr lang="en-US" altLang="ko-KR" sz="1100" b="0" dirty="0"/>
               </a:p>
             </p:txBody>
           </p:sp>
@@ -3408,7 +3406,7 @@
                         <m:funcPr>
                           <m:ctrlPr>
                             <a:rPr lang="en-US" altLang="ko-KR" sz="1100" b="0" i="1" smtClean="0">
-                              <a:latin typeface="Cambria Math"/>
+                              <a:latin typeface="Cambria Math" panose="02040503050406030204" pitchFamily="18" charset="0"/>
                             </a:rPr>
                           </m:ctrlPr>
                         </m:funcPr>
@@ -3428,7 +3426,7 @@
                             <m:dPr>
                               <m:ctrlPr>
                                 <a:rPr lang="en-US" altLang="ko-KR" sz="1100" b="0" i="1" smtClean="0">
-                                  <a:latin typeface="Cambria Math"/>
+                                  <a:latin typeface="Cambria Math" panose="02040503050406030204" pitchFamily="18" charset="0"/>
                                 </a:rPr>
                               </m:ctrlPr>
                             </m:dPr>
@@ -3443,7 +3441,7 @@
                                 <m:fPr>
                                   <m:ctrlPr>
                                     <a:rPr lang="en-US" altLang="ko-KR" sz="1100" b="0" i="1" smtClean="0">
-                                      <a:latin typeface="Cambria Math"/>
+                                      <a:latin typeface="Cambria Math" panose="02040503050406030204" pitchFamily="18" charset="0"/>
                                     </a:rPr>
                                   </m:ctrlPr>
                                 </m:fPr>
@@ -3483,7 +3481,7 @@
                     </m:oMath>
                   </m:oMathPara>
                 </a14:m>
-                <a:endParaRPr lang="en-US" altLang="ko-KR" sz="1100" b="0" dirty="0" smtClean="0"/>
+                <a:endParaRPr lang="en-US" altLang="ko-KR" sz="1100" b="0" dirty="0"/>
               </a:p>
               <a:p>
                 <a:pPr/>
@@ -3508,7 +3506,7 @@
                     </m:oMath>
                   </m:oMathPara>
                 </a14:m>
-                <a:endParaRPr lang="en-US" altLang="ko-KR" sz="1100" b="0" dirty="0" smtClean="0"/>
+                <a:endParaRPr lang="en-US" altLang="ko-KR" sz="1100" b="0" dirty="0"/>
               </a:p>
             </p:txBody>
           </p:sp>
@@ -3587,7 +3585,7 @@
                         <m:funcPr>
                           <m:ctrlPr>
                             <a:rPr lang="en-US" altLang="ko-KR" sz="1100" b="0" i="1" smtClean="0">
-                              <a:latin typeface="Cambria Math"/>
+                              <a:latin typeface="Cambria Math" panose="02040503050406030204" pitchFamily="18" charset="0"/>
                             </a:rPr>
                           </m:ctrlPr>
                         </m:funcPr>
@@ -3607,7 +3605,7 @@
                             <m:dPr>
                               <m:ctrlPr>
                                 <a:rPr lang="en-US" altLang="ko-KR" sz="1100" b="0" i="1" smtClean="0">
-                                  <a:latin typeface="Cambria Math"/>
+                                  <a:latin typeface="Cambria Math" panose="02040503050406030204" pitchFamily="18" charset="0"/>
                                 </a:rPr>
                               </m:ctrlPr>
                             </m:dPr>
@@ -3622,7 +3620,7 @@
                                 <m:fPr>
                                   <m:ctrlPr>
                                     <a:rPr lang="en-US" altLang="ko-KR" sz="1100" b="0" i="1" smtClean="0">
-                                      <a:latin typeface="Cambria Math"/>
+                                      <a:latin typeface="Cambria Math" panose="02040503050406030204" pitchFamily="18" charset="0"/>
                                     </a:rPr>
                                   </m:ctrlPr>
                                 </m:fPr>
@@ -3662,7 +3660,7 @@
                     </m:oMath>
                   </m:oMathPara>
                 </a14:m>
-                <a:endParaRPr lang="en-US" altLang="ko-KR" sz="1100" b="0" dirty="0" smtClean="0"/>
+                <a:endParaRPr lang="en-US" altLang="ko-KR" sz="1100" b="0" dirty="0"/>
               </a:p>
               <a:p>
                 <a:pPr/>
@@ -3687,7 +3685,7 @@
                     </m:oMath>
                   </m:oMathPara>
                 </a14:m>
-                <a:endParaRPr lang="en-US" altLang="ko-KR" sz="1100" b="0" dirty="0" smtClean="0"/>
+                <a:endParaRPr lang="en-US" altLang="ko-KR" sz="1100" b="0" dirty="0"/>
               </a:p>
             </p:txBody>
           </p:sp>
@@ -3766,7 +3764,7 @@
                         <m:funcPr>
                           <m:ctrlPr>
                             <a:rPr lang="en-US" altLang="ko-KR" sz="1100" b="0" i="1" smtClean="0">
-                              <a:latin typeface="Cambria Math"/>
+                              <a:latin typeface="Cambria Math" panose="02040503050406030204" pitchFamily="18" charset="0"/>
                             </a:rPr>
                           </m:ctrlPr>
                         </m:funcPr>
@@ -3786,7 +3784,7 @@
                             <m:dPr>
                               <m:ctrlPr>
                                 <a:rPr lang="en-US" altLang="ko-KR" sz="1100" b="0" i="1" smtClean="0">
-                                  <a:latin typeface="Cambria Math"/>
+                                  <a:latin typeface="Cambria Math" panose="02040503050406030204" pitchFamily="18" charset="0"/>
                                 </a:rPr>
                               </m:ctrlPr>
                             </m:dPr>
@@ -3801,7 +3799,7 @@
                                 <m:fPr>
                                   <m:ctrlPr>
                                     <a:rPr lang="en-US" altLang="ko-KR" sz="1100" b="0" i="1" smtClean="0">
-                                      <a:latin typeface="Cambria Math"/>
+                                      <a:latin typeface="Cambria Math" panose="02040503050406030204" pitchFamily="18" charset="0"/>
                                     </a:rPr>
                                   </m:ctrlPr>
                                 </m:fPr>
@@ -3841,7 +3839,7 @@
                     </m:oMath>
                   </m:oMathPara>
                 </a14:m>
-                <a:endParaRPr lang="en-US" altLang="ko-KR" sz="1100" b="0" dirty="0" smtClean="0"/>
+                <a:endParaRPr lang="en-US" altLang="ko-KR" sz="1100" b="0" dirty="0"/>
               </a:p>
               <a:p>
                 <a:pPr/>
@@ -3866,7 +3864,7 @@
                     </m:oMath>
                   </m:oMathPara>
                 </a14:m>
-                <a:endParaRPr lang="en-US" altLang="ko-KR" sz="1100" b="0" dirty="0" smtClean="0"/>
+                <a:endParaRPr lang="en-US" altLang="ko-KR" sz="1100" b="0" dirty="0"/>
               </a:p>
             </p:txBody>
           </p:sp>
@@ -3945,7 +3943,7 @@
                         <m:funcPr>
                           <m:ctrlPr>
                             <a:rPr lang="en-US" altLang="ko-KR" sz="1100" b="0" i="1" smtClean="0">
-                              <a:latin typeface="Cambria Math"/>
+                              <a:latin typeface="Cambria Math" panose="02040503050406030204" pitchFamily="18" charset="0"/>
                             </a:rPr>
                           </m:ctrlPr>
                         </m:funcPr>
@@ -3965,7 +3963,7 @@
                             <m:dPr>
                               <m:ctrlPr>
                                 <a:rPr lang="en-US" altLang="ko-KR" sz="1100" b="0" i="1" smtClean="0">
-                                  <a:latin typeface="Cambria Math"/>
+                                  <a:latin typeface="Cambria Math" panose="02040503050406030204" pitchFamily="18" charset="0"/>
                                 </a:rPr>
                               </m:ctrlPr>
                             </m:dPr>
@@ -3980,7 +3978,7 @@
                                 <m:fPr>
                                   <m:ctrlPr>
                                     <a:rPr lang="en-US" altLang="ko-KR" sz="1100" b="0" i="1" smtClean="0">
-                                      <a:latin typeface="Cambria Math"/>
+                                      <a:latin typeface="Cambria Math" panose="02040503050406030204" pitchFamily="18" charset="0"/>
                                     </a:rPr>
                                   </m:ctrlPr>
                                 </m:fPr>
@@ -4020,7 +4018,7 @@
                     </m:oMath>
                   </m:oMathPara>
                 </a14:m>
-                <a:endParaRPr lang="en-US" altLang="ko-KR" sz="1100" b="0" dirty="0" smtClean="0"/>
+                <a:endParaRPr lang="en-US" altLang="ko-KR" sz="1100" b="0" dirty="0"/>
               </a:p>
               <a:p>
                 <a:pPr/>
@@ -4045,7 +4043,7 @@
                     </m:oMath>
                   </m:oMathPara>
                 </a14:m>
-                <a:endParaRPr lang="en-US" altLang="ko-KR" sz="1100" b="0" dirty="0" smtClean="0"/>
+                <a:endParaRPr lang="en-US" altLang="ko-KR" sz="1100" b="0" dirty="0"/>
               </a:p>
             </p:txBody>
           </p:sp>
@@ -4124,7 +4122,7 @@
                         <m:funcPr>
                           <m:ctrlPr>
                             <a:rPr lang="en-US" altLang="ko-KR" sz="1100" b="0" i="1" smtClean="0">
-                              <a:latin typeface="Cambria Math"/>
+                              <a:latin typeface="Cambria Math" panose="02040503050406030204" pitchFamily="18" charset="0"/>
                             </a:rPr>
                           </m:ctrlPr>
                         </m:funcPr>
@@ -4144,7 +4142,7 @@
                             <m:dPr>
                               <m:ctrlPr>
                                 <a:rPr lang="en-US" altLang="ko-KR" sz="1100" b="0" i="1" smtClean="0">
-                                  <a:latin typeface="Cambria Math"/>
+                                  <a:latin typeface="Cambria Math" panose="02040503050406030204" pitchFamily="18" charset="0"/>
                                 </a:rPr>
                               </m:ctrlPr>
                             </m:dPr>
@@ -4159,7 +4157,7 @@
                                 <m:fPr>
                                   <m:ctrlPr>
                                     <a:rPr lang="en-US" altLang="ko-KR" sz="1100" b="0" i="1" smtClean="0">
-                                      <a:latin typeface="Cambria Math"/>
+                                      <a:latin typeface="Cambria Math" panose="02040503050406030204" pitchFamily="18" charset="0"/>
                                     </a:rPr>
                                   </m:ctrlPr>
                                 </m:fPr>
@@ -4199,7 +4197,7 @@
                     </m:oMath>
                   </m:oMathPara>
                 </a14:m>
-                <a:endParaRPr lang="en-US" altLang="ko-KR" sz="1100" b="0" dirty="0" smtClean="0"/>
+                <a:endParaRPr lang="en-US" altLang="ko-KR" sz="1100" b="0" dirty="0"/>
               </a:p>
               <a:p>
                 <a:pPr/>
@@ -4224,7 +4222,7 @@
                     </m:oMath>
                   </m:oMathPara>
                 </a14:m>
-                <a:endParaRPr lang="en-US" altLang="ko-KR" sz="1100" b="0" dirty="0" smtClean="0"/>
+                <a:endParaRPr lang="en-US" altLang="ko-KR" sz="1100" b="0" dirty="0"/>
               </a:p>
             </p:txBody>
           </p:sp>
@@ -4291,10 +4289,9 @@
           <a:lstStyle/>
           <a:p>
             <a:r>
-              <a:rPr lang="ko-KR" altLang="en-US" sz="1100" smtClean="0"/>
+              <a:rPr lang="ko-KR" altLang="en-US" sz="1100"/>
               <a:t>실수 축</a:t>
             </a:r>
-            <a:endParaRPr lang="ko-KR" altLang="en-US" sz="1100"/>
           </a:p>
         </p:txBody>
       </p:sp>
@@ -4439,6 +4436,1370 @@
           </a:p>
         </p:txBody>
       </p:sp>
+      <p:sp>
+        <p:nvSpPr>
+          <p:cNvPr id="2" name="직사각형 1"/>
+          <p:cNvSpPr/>
+          <p:nvPr/>
+        </p:nvSpPr>
+        <p:spPr>
+          <a:xfrm>
+            <a:off x="6821800" y="3095122"/>
+            <a:ext cx="582895" cy="174576"/>
+          </a:xfrm>
+          <a:prstGeom prst="rect">
+            <a:avLst/>
+          </a:prstGeom>
+          <a:solidFill>
+            <a:schemeClr val="bg1"/>
+          </a:solidFill>
+          <a:ln>
+            <a:noFill/>
+          </a:ln>
+        </p:spPr>
+        <p:style>
+          <a:lnRef idx="2">
+            <a:schemeClr val="accent1">
+              <a:shade val="50000"/>
+            </a:schemeClr>
+          </a:lnRef>
+          <a:fillRef idx="1">
+            <a:schemeClr val="accent1"/>
+          </a:fillRef>
+          <a:effectRef idx="0">
+            <a:schemeClr val="accent1"/>
+          </a:effectRef>
+          <a:fontRef idx="minor">
+            <a:schemeClr val="lt1"/>
+          </a:fontRef>
+        </p:style>
+        <p:txBody>
+          <a:bodyPr rtlCol="0" anchor="ctr"/>
+          <a:lstStyle/>
+          <a:p>
+            <a:pPr algn="ctr"/>
+            <a:endParaRPr lang="ko-KR" altLang="en-US"/>
+          </a:p>
+        </p:txBody>
+      </p:sp>
+      <mc:AlternateContent xmlns:mc="http://schemas.openxmlformats.org/markup-compatibility/2006" xmlns:a14="http://schemas.microsoft.com/office/drawing/2010/main">
+        <mc:Choice Requires="a14">
+          <p:sp>
+            <p:nvSpPr>
+              <p:cNvPr id="15" name="TextBox 14"/>
+              <p:cNvSpPr txBox="1"/>
+              <p:nvPr/>
+            </p:nvSpPr>
+            <p:spPr>
+              <a:xfrm>
+                <a:off x="6084168" y="2564904"/>
+                <a:ext cx="1092671" cy="641971"/>
+              </a:xfrm>
+              <a:prstGeom prst="rect">
+                <a:avLst/>
+              </a:prstGeom>
+              <a:noFill/>
+            </p:spPr>
+            <p:txBody>
+              <a:bodyPr wrap="none" rtlCol="0">
+                <a:spAutoFit/>
+              </a:bodyPr>
+              <a:lstStyle/>
+              <a:p>
+                <a:pPr/>
+                <a14:m>
+                  <m:oMathPara xmlns:m="http://schemas.openxmlformats.org/officeDocument/2006/math">
+                    <m:oMathParaPr>
+                      <m:jc m:val="centerGroup"/>
+                    </m:oMathParaPr>
+                    <m:oMath xmlns:m="http://schemas.openxmlformats.org/officeDocument/2006/math">
+                      <m:func>
+                        <m:funcPr>
+                          <m:ctrlPr>
+                            <a:rPr lang="en-US" altLang="ko-KR" sz="1100" b="0" i="1" smtClean="0">
+                              <a:latin typeface="Cambria Math" panose="02040503050406030204" pitchFamily="18" charset="0"/>
+                            </a:rPr>
+                          </m:ctrlPr>
+                        </m:funcPr>
+                        <m:fName>
+                          <m:r>
+                            <m:rPr>
+                              <m:sty m:val="p"/>
+                            </m:rPr>
+                            <a:rPr lang="en-US" altLang="ko-KR" sz="1100" b="0" i="0" smtClean="0">
+                              <a:latin typeface="Cambria Math"/>
+                            </a:rPr>
+                            <m:t>exp</m:t>
+                          </m:r>
+                        </m:fName>
+                        <m:e>
+                          <m:d>
+                            <m:dPr>
+                              <m:ctrlPr>
+                                <a:rPr lang="en-US" altLang="ko-KR" sz="1100" b="0" i="1" smtClean="0">
+                                  <a:latin typeface="Cambria Math" panose="02040503050406030204" pitchFamily="18" charset="0"/>
+                                </a:rPr>
+                              </m:ctrlPr>
+                            </m:dPr>
+                            <m:e>
+                              <m:r>
+                                <a:rPr lang="en-US" altLang="ko-KR" sz="1100" b="0" i="1" smtClean="0">
+                                  <a:latin typeface="Cambria Math"/>
+                                </a:rPr>
+                                <m:t>𝑗</m:t>
+                              </m:r>
+                              <m:f>
+                                <m:fPr>
+                                  <m:ctrlPr>
+                                    <a:rPr lang="en-US" altLang="ko-KR" sz="1100" b="0" i="1" smtClean="0">
+                                      <a:latin typeface="Cambria Math" panose="02040503050406030204" pitchFamily="18" charset="0"/>
+                                    </a:rPr>
+                                  </m:ctrlPr>
+                                </m:fPr>
+                                <m:num>
+                                  <m:r>
+                                    <a:rPr lang="en-US" altLang="ko-KR" sz="1100" b="0" i="1" smtClean="0">
+                                      <a:latin typeface="Cambria Math"/>
+                                    </a:rPr>
+                                    <m:t>2</m:t>
+                                  </m:r>
+                                  <m:r>
+                                    <a:rPr lang="en-US" altLang="ko-KR" sz="1100" b="0" i="1" smtClean="0">
+                                      <a:latin typeface="Cambria Math"/>
+                                    </a:rPr>
+                                    <m:t>𝜋</m:t>
+                                  </m:r>
+                                  <m:r>
+                                    <a:rPr lang="en-US" altLang="ko-KR" sz="1100" b="0" i="1" smtClean="0">
+                                      <a:latin typeface="Cambria Math"/>
+                                    </a:rPr>
+                                    <m:t>𝑛</m:t>
+                                  </m:r>
+                                </m:num>
+                                <m:den>
+                                  <m:r>
+                                    <a:rPr lang="en-US" altLang="ko-KR" sz="1100" b="0" i="1" smtClean="0">
+                                      <a:latin typeface="Cambria Math"/>
+                                    </a:rPr>
+                                    <m:t>6</m:t>
+                                  </m:r>
+                                </m:den>
+                              </m:f>
+                            </m:e>
+                          </m:d>
+                        </m:e>
+                      </m:func>
+                    </m:oMath>
+                  </m:oMathPara>
+                </a14:m>
+                <a:endParaRPr lang="en-US" altLang="ko-KR" sz="1100" b="0" dirty="0"/>
+              </a:p>
+              <a:p>
+                <a:pPr/>
+                <a14:m>
+                  <m:oMathPara xmlns:m="http://schemas.openxmlformats.org/officeDocument/2006/math">
+                    <m:oMathParaPr>
+                      <m:jc m:val="centerGroup"/>
+                    </m:oMathParaPr>
+                    <m:oMath xmlns:m="http://schemas.openxmlformats.org/officeDocument/2006/math">
+                      <m:r>
+                        <a:rPr lang="en-US" altLang="ko-KR" sz="1100" b="0" i="1" smtClean="0">
+                          <a:latin typeface="Cambria Math"/>
+                        </a:rPr>
+                        <m:t>𝑛</m:t>
+                      </m:r>
+                      <m:r>
+                        <a:rPr lang="en-US" altLang="ko-KR" sz="1100" b="0" i="1" smtClean="0">
+                          <a:latin typeface="Cambria Math"/>
+                        </a:rPr>
+                        <m:t>=0, 6, 12, ⋯</m:t>
+                      </m:r>
+                    </m:oMath>
+                  </m:oMathPara>
+                </a14:m>
+                <a:endParaRPr lang="en-US" altLang="ko-KR" sz="1100" b="0" dirty="0"/>
+              </a:p>
+            </p:txBody>
+          </p:sp>
+        </mc:Choice>
+        <mc:Fallback xmlns="">
+          <p:sp>
+            <p:nvSpPr>
+              <p:cNvPr id="15" name="TextBox 14"/>
+              <p:cNvSpPr txBox="1">
+                <a:spLocks noRot="1" noChangeAspect="1" noMove="1" noResize="1" noEditPoints="1" noAdjustHandles="1" noChangeArrowheads="1" noChangeShapeType="1" noTextEdit="1"/>
+              </p:cNvSpPr>
+              <p:nvPr/>
+            </p:nvSpPr>
+            <p:spPr>
+              <a:xfrm>
+                <a:off x="6084168" y="2564904"/>
+                <a:ext cx="1092671" cy="641971"/>
+              </a:xfrm>
+              <a:prstGeom prst="rect">
+                <a:avLst/>
+              </a:prstGeom>
+              <a:blipFill rotWithShape="1">
+                <a:blip r:embed="rId3"/>
+                <a:stretch>
+                  <a:fillRect/>
+                </a:stretch>
+              </a:blipFill>
+            </p:spPr>
+            <p:txBody>
+              <a:bodyPr/>
+              <a:lstStyle/>
+              <a:p>
+                <a:r>
+                  <a:rPr lang="ko-KR" altLang="en-US">
+                    <a:noFill/>
+                  </a:rPr>
+                  <a:t> </a:t>
+                </a:r>
+              </a:p>
+            </p:txBody>
+          </p:sp>
+        </mc:Fallback>
+      </mc:AlternateContent>
+      <mc:AlternateContent xmlns:mc="http://schemas.openxmlformats.org/markup-compatibility/2006" xmlns:a14="http://schemas.microsoft.com/office/drawing/2010/main">
+        <mc:Choice Requires="a14">
+          <p:sp>
+            <p:nvSpPr>
+              <p:cNvPr id="12" name="TextBox 11"/>
+              <p:cNvSpPr txBox="1"/>
+              <p:nvPr/>
+            </p:nvSpPr>
+            <p:spPr>
+              <a:xfrm>
+                <a:off x="5251839" y="1196752"/>
+                <a:ext cx="1092671" cy="641971"/>
+              </a:xfrm>
+              <a:prstGeom prst="rect">
+                <a:avLst/>
+              </a:prstGeom>
+              <a:noFill/>
+            </p:spPr>
+            <p:txBody>
+              <a:bodyPr wrap="none" rtlCol="0">
+                <a:spAutoFit/>
+              </a:bodyPr>
+              <a:lstStyle/>
+              <a:p>
+                <a:pPr/>
+                <a14:m>
+                  <m:oMathPara xmlns:m="http://schemas.openxmlformats.org/officeDocument/2006/math">
+                    <m:oMathParaPr>
+                      <m:jc m:val="centerGroup"/>
+                    </m:oMathParaPr>
+                    <m:oMath xmlns:m="http://schemas.openxmlformats.org/officeDocument/2006/math">
+                      <m:func>
+                        <m:funcPr>
+                          <m:ctrlPr>
+                            <a:rPr lang="en-US" altLang="ko-KR" sz="1100" b="0" i="1" smtClean="0">
+                              <a:latin typeface="Cambria Math" panose="02040503050406030204" pitchFamily="18" charset="0"/>
+                            </a:rPr>
+                          </m:ctrlPr>
+                        </m:funcPr>
+                        <m:fName>
+                          <m:r>
+                            <m:rPr>
+                              <m:sty m:val="p"/>
+                            </m:rPr>
+                            <a:rPr lang="en-US" altLang="ko-KR" sz="1100" b="0" i="0" smtClean="0">
+                              <a:latin typeface="Cambria Math"/>
+                            </a:rPr>
+                            <m:t>exp</m:t>
+                          </m:r>
+                        </m:fName>
+                        <m:e>
+                          <m:d>
+                            <m:dPr>
+                              <m:ctrlPr>
+                                <a:rPr lang="en-US" altLang="ko-KR" sz="1100" b="0" i="1" smtClean="0">
+                                  <a:latin typeface="Cambria Math" panose="02040503050406030204" pitchFamily="18" charset="0"/>
+                                </a:rPr>
+                              </m:ctrlPr>
+                            </m:dPr>
+                            <m:e>
+                              <m:r>
+                                <a:rPr lang="en-US" altLang="ko-KR" sz="1100" b="0" i="1" smtClean="0">
+                                  <a:latin typeface="Cambria Math"/>
+                                </a:rPr>
+                                <m:t>𝑗</m:t>
+                              </m:r>
+                              <m:f>
+                                <m:fPr>
+                                  <m:ctrlPr>
+                                    <a:rPr lang="en-US" altLang="ko-KR" sz="1100" b="0" i="1" smtClean="0">
+                                      <a:latin typeface="Cambria Math" panose="02040503050406030204" pitchFamily="18" charset="0"/>
+                                    </a:rPr>
+                                  </m:ctrlPr>
+                                </m:fPr>
+                                <m:num>
+                                  <m:r>
+                                    <a:rPr lang="en-US" altLang="ko-KR" sz="1100" b="0" i="1" smtClean="0">
+                                      <a:latin typeface="Cambria Math"/>
+                                    </a:rPr>
+                                    <m:t>2</m:t>
+                                  </m:r>
+                                  <m:r>
+                                    <a:rPr lang="en-US" altLang="ko-KR" sz="1100" b="0" i="1" smtClean="0">
+                                      <a:latin typeface="Cambria Math"/>
+                                    </a:rPr>
+                                    <m:t>𝜋</m:t>
+                                  </m:r>
+                                  <m:r>
+                                    <a:rPr lang="en-US" altLang="ko-KR" sz="1100" b="0" i="1" smtClean="0">
+                                      <a:latin typeface="Cambria Math"/>
+                                    </a:rPr>
+                                    <m:t>𝑛</m:t>
+                                  </m:r>
+                                </m:num>
+                                <m:den>
+                                  <m:r>
+                                    <a:rPr lang="en-US" altLang="ko-KR" sz="1100" b="0" i="1" smtClean="0">
+                                      <a:latin typeface="Cambria Math"/>
+                                    </a:rPr>
+                                    <m:t>6</m:t>
+                                  </m:r>
+                                </m:den>
+                              </m:f>
+                            </m:e>
+                          </m:d>
+                        </m:e>
+                      </m:func>
+                    </m:oMath>
+                  </m:oMathPara>
+                </a14:m>
+                <a:endParaRPr lang="en-US" altLang="ko-KR" sz="1100" b="0" dirty="0"/>
+              </a:p>
+              <a:p>
+                <a:pPr/>
+                <a14:m>
+                  <m:oMathPara xmlns:m="http://schemas.openxmlformats.org/officeDocument/2006/math">
+                    <m:oMathParaPr>
+                      <m:jc m:val="centerGroup"/>
+                    </m:oMathParaPr>
+                    <m:oMath xmlns:m="http://schemas.openxmlformats.org/officeDocument/2006/math">
+                      <m:r>
+                        <a:rPr lang="en-US" altLang="ko-KR" sz="1100" b="0" i="1" smtClean="0">
+                          <a:latin typeface="Cambria Math"/>
+                        </a:rPr>
+                        <m:t>𝑛</m:t>
+                      </m:r>
+                      <m:r>
+                        <a:rPr lang="en-US" altLang="ko-KR" sz="1100" b="0" i="1" smtClean="0">
+                          <a:latin typeface="Cambria Math"/>
+                        </a:rPr>
+                        <m:t>=1, 7, 13, ⋯</m:t>
+                      </m:r>
+                    </m:oMath>
+                  </m:oMathPara>
+                </a14:m>
+                <a:endParaRPr lang="en-US" altLang="ko-KR" sz="1100" b="0" dirty="0"/>
+              </a:p>
+            </p:txBody>
+          </p:sp>
+        </mc:Choice>
+        <mc:Fallback xmlns="">
+          <p:sp>
+            <p:nvSpPr>
+              <p:cNvPr id="12" name="TextBox 11"/>
+              <p:cNvSpPr txBox="1">
+                <a:spLocks noRot="1" noChangeAspect="1" noMove="1" noResize="1" noEditPoints="1" noAdjustHandles="1" noChangeArrowheads="1" noChangeShapeType="1" noTextEdit="1"/>
+              </p:cNvSpPr>
+              <p:nvPr/>
+            </p:nvSpPr>
+            <p:spPr>
+              <a:xfrm>
+                <a:off x="5251839" y="1196752"/>
+                <a:ext cx="1092671" cy="641971"/>
+              </a:xfrm>
+              <a:prstGeom prst="rect">
+                <a:avLst/>
+              </a:prstGeom>
+              <a:blipFill rotWithShape="1">
+                <a:blip r:embed="rId4"/>
+                <a:stretch>
+                  <a:fillRect/>
+                </a:stretch>
+              </a:blipFill>
+            </p:spPr>
+            <p:txBody>
+              <a:bodyPr/>
+              <a:lstStyle/>
+              <a:p>
+                <a:r>
+                  <a:rPr lang="ko-KR" altLang="en-US">
+                    <a:noFill/>
+                  </a:rPr>
+                  <a:t> </a:t>
+                </a:r>
+              </a:p>
+            </p:txBody>
+          </p:sp>
+        </mc:Fallback>
+      </mc:AlternateContent>
+      <mc:AlternateContent xmlns:mc="http://schemas.openxmlformats.org/markup-compatibility/2006" xmlns:a14="http://schemas.microsoft.com/office/drawing/2010/main">
+        <mc:Choice Requires="a14">
+          <p:sp>
+            <p:nvSpPr>
+              <p:cNvPr id="19" name="TextBox 18"/>
+              <p:cNvSpPr txBox="1"/>
+              <p:nvPr/>
+            </p:nvSpPr>
+            <p:spPr>
+              <a:xfrm>
+                <a:off x="2411760" y="1124744"/>
+                <a:ext cx="1092671" cy="641971"/>
+              </a:xfrm>
+              <a:prstGeom prst="rect">
+                <a:avLst/>
+              </a:prstGeom>
+              <a:noFill/>
+            </p:spPr>
+            <p:txBody>
+              <a:bodyPr wrap="none" rtlCol="0">
+                <a:spAutoFit/>
+              </a:bodyPr>
+              <a:lstStyle/>
+              <a:p>
+                <a:pPr/>
+                <a14:m>
+                  <m:oMathPara xmlns:m="http://schemas.openxmlformats.org/officeDocument/2006/math">
+                    <m:oMathParaPr>
+                      <m:jc m:val="centerGroup"/>
+                    </m:oMathParaPr>
+                    <m:oMath xmlns:m="http://schemas.openxmlformats.org/officeDocument/2006/math">
+                      <m:func>
+                        <m:funcPr>
+                          <m:ctrlPr>
+                            <a:rPr lang="en-US" altLang="ko-KR" sz="1100" b="0" i="1" smtClean="0">
+                              <a:latin typeface="Cambria Math" panose="02040503050406030204" pitchFamily="18" charset="0"/>
+                            </a:rPr>
+                          </m:ctrlPr>
+                        </m:funcPr>
+                        <m:fName>
+                          <m:r>
+                            <m:rPr>
+                              <m:sty m:val="p"/>
+                            </m:rPr>
+                            <a:rPr lang="en-US" altLang="ko-KR" sz="1100" b="0" i="0" smtClean="0">
+                              <a:latin typeface="Cambria Math"/>
+                            </a:rPr>
+                            <m:t>exp</m:t>
+                          </m:r>
+                        </m:fName>
+                        <m:e>
+                          <m:d>
+                            <m:dPr>
+                              <m:ctrlPr>
+                                <a:rPr lang="en-US" altLang="ko-KR" sz="1100" b="0" i="1" smtClean="0">
+                                  <a:latin typeface="Cambria Math" panose="02040503050406030204" pitchFamily="18" charset="0"/>
+                                </a:rPr>
+                              </m:ctrlPr>
+                            </m:dPr>
+                            <m:e>
+                              <m:r>
+                                <a:rPr lang="en-US" altLang="ko-KR" sz="1100" b="0" i="1" smtClean="0">
+                                  <a:latin typeface="Cambria Math"/>
+                                </a:rPr>
+                                <m:t>𝑗</m:t>
+                              </m:r>
+                              <m:f>
+                                <m:fPr>
+                                  <m:ctrlPr>
+                                    <a:rPr lang="en-US" altLang="ko-KR" sz="1100" b="0" i="1" smtClean="0">
+                                      <a:latin typeface="Cambria Math" panose="02040503050406030204" pitchFamily="18" charset="0"/>
+                                    </a:rPr>
+                                  </m:ctrlPr>
+                                </m:fPr>
+                                <m:num>
+                                  <m:r>
+                                    <a:rPr lang="en-US" altLang="ko-KR" sz="1100" b="0" i="1" smtClean="0">
+                                      <a:latin typeface="Cambria Math"/>
+                                    </a:rPr>
+                                    <m:t>2</m:t>
+                                  </m:r>
+                                  <m:r>
+                                    <a:rPr lang="en-US" altLang="ko-KR" sz="1100" b="0" i="1" smtClean="0">
+                                      <a:latin typeface="Cambria Math"/>
+                                    </a:rPr>
+                                    <m:t>𝜋</m:t>
+                                  </m:r>
+                                  <m:r>
+                                    <a:rPr lang="en-US" altLang="ko-KR" sz="1100" b="0" i="1" smtClean="0">
+                                      <a:latin typeface="Cambria Math"/>
+                                    </a:rPr>
+                                    <m:t>𝑛</m:t>
+                                  </m:r>
+                                </m:num>
+                                <m:den>
+                                  <m:r>
+                                    <a:rPr lang="en-US" altLang="ko-KR" sz="1100" b="0" i="1" smtClean="0">
+                                      <a:latin typeface="Cambria Math"/>
+                                    </a:rPr>
+                                    <m:t>6</m:t>
+                                  </m:r>
+                                </m:den>
+                              </m:f>
+                            </m:e>
+                          </m:d>
+                        </m:e>
+                      </m:func>
+                    </m:oMath>
+                  </m:oMathPara>
+                </a14:m>
+                <a:endParaRPr lang="en-US" altLang="ko-KR" sz="1100" b="0" dirty="0"/>
+              </a:p>
+              <a:p>
+                <a:pPr/>
+                <a14:m>
+                  <m:oMathPara xmlns:m="http://schemas.openxmlformats.org/officeDocument/2006/math">
+                    <m:oMathParaPr>
+                      <m:jc m:val="centerGroup"/>
+                    </m:oMathParaPr>
+                    <m:oMath xmlns:m="http://schemas.openxmlformats.org/officeDocument/2006/math">
+                      <m:r>
+                        <a:rPr lang="en-US" altLang="ko-KR" sz="1100" b="0" i="1" smtClean="0">
+                          <a:latin typeface="Cambria Math"/>
+                        </a:rPr>
+                        <m:t>𝑛</m:t>
+                      </m:r>
+                      <m:r>
+                        <a:rPr lang="en-US" altLang="ko-KR" sz="1100" b="0" i="1" smtClean="0">
+                          <a:latin typeface="Cambria Math"/>
+                        </a:rPr>
+                        <m:t>=2, 8, 14, ⋯</m:t>
+                      </m:r>
+                    </m:oMath>
+                  </m:oMathPara>
+                </a14:m>
+                <a:endParaRPr lang="en-US" altLang="ko-KR" sz="1100" b="0" dirty="0"/>
+              </a:p>
+            </p:txBody>
+          </p:sp>
+        </mc:Choice>
+        <mc:Fallback xmlns="">
+          <p:sp>
+            <p:nvSpPr>
+              <p:cNvPr id="19" name="TextBox 18"/>
+              <p:cNvSpPr txBox="1">
+                <a:spLocks noRot="1" noChangeAspect="1" noMove="1" noResize="1" noEditPoints="1" noAdjustHandles="1" noChangeArrowheads="1" noChangeShapeType="1" noTextEdit="1"/>
+              </p:cNvSpPr>
+              <p:nvPr/>
+            </p:nvSpPr>
+            <p:spPr>
+              <a:xfrm>
+                <a:off x="2411760" y="1124744"/>
+                <a:ext cx="1092671" cy="641971"/>
+              </a:xfrm>
+              <a:prstGeom prst="rect">
+                <a:avLst/>
+              </a:prstGeom>
+              <a:blipFill rotWithShape="1">
+                <a:blip r:embed="rId5"/>
+                <a:stretch>
+                  <a:fillRect/>
+                </a:stretch>
+              </a:blipFill>
+            </p:spPr>
+            <p:txBody>
+              <a:bodyPr/>
+              <a:lstStyle/>
+              <a:p>
+                <a:r>
+                  <a:rPr lang="ko-KR" altLang="en-US">
+                    <a:noFill/>
+                  </a:rPr>
+                  <a:t> </a:t>
+                </a:r>
+              </a:p>
+            </p:txBody>
+          </p:sp>
+        </mc:Fallback>
+      </mc:AlternateContent>
+      <mc:AlternateContent xmlns:mc="http://schemas.openxmlformats.org/markup-compatibility/2006" xmlns:a14="http://schemas.microsoft.com/office/drawing/2010/main">
+        <mc:Choice Requires="a14">
+          <p:sp>
+            <p:nvSpPr>
+              <p:cNvPr id="20" name="TextBox 19"/>
+              <p:cNvSpPr txBox="1"/>
+              <p:nvPr/>
+            </p:nvSpPr>
+            <p:spPr>
+              <a:xfrm>
+                <a:off x="1475656" y="2627727"/>
+                <a:ext cx="1092671" cy="641971"/>
+              </a:xfrm>
+              <a:prstGeom prst="rect">
+                <a:avLst/>
+              </a:prstGeom>
+              <a:noFill/>
+            </p:spPr>
+            <p:txBody>
+              <a:bodyPr wrap="none" rtlCol="0">
+                <a:spAutoFit/>
+              </a:bodyPr>
+              <a:lstStyle/>
+              <a:p>
+                <a:pPr/>
+                <a14:m>
+                  <m:oMathPara xmlns:m="http://schemas.openxmlformats.org/officeDocument/2006/math">
+                    <m:oMathParaPr>
+                      <m:jc m:val="centerGroup"/>
+                    </m:oMathParaPr>
+                    <m:oMath xmlns:m="http://schemas.openxmlformats.org/officeDocument/2006/math">
+                      <m:func>
+                        <m:funcPr>
+                          <m:ctrlPr>
+                            <a:rPr lang="en-US" altLang="ko-KR" sz="1100" b="0" i="1" smtClean="0">
+                              <a:latin typeface="Cambria Math" panose="02040503050406030204" pitchFamily="18" charset="0"/>
+                            </a:rPr>
+                          </m:ctrlPr>
+                        </m:funcPr>
+                        <m:fName>
+                          <m:r>
+                            <m:rPr>
+                              <m:sty m:val="p"/>
+                            </m:rPr>
+                            <a:rPr lang="en-US" altLang="ko-KR" sz="1100" b="0" i="0" smtClean="0">
+                              <a:latin typeface="Cambria Math"/>
+                            </a:rPr>
+                            <m:t>exp</m:t>
+                          </m:r>
+                        </m:fName>
+                        <m:e>
+                          <m:d>
+                            <m:dPr>
+                              <m:ctrlPr>
+                                <a:rPr lang="en-US" altLang="ko-KR" sz="1100" b="0" i="1" smtClean="0">
+                                  <a:latin typeface="Cambria Math" panose="02040503050406030204" pitchFamily="18" charset="0"/>
+                                </a:rPr>
+                              </m:ctrlPr>
+                            </m:dPr>
+                            <m:e>
+                              <m:r>
+                                <a:rPr lang="en-US" altLang="ko-KR" sz="1100" b="0" i="1" smtClean="0">
+                                  <a:latin typeface="Cambria Math"/>
+                                </a:rPr>
+                                <m:t>𝑗</m:t>
+                              </m:r>
+                              <m:f>
+                                <m:fPr>
+                                  <m:ctrlPr>
+                                    <a:rPr lang="en-US" altLang="ko-KR" sz="1100" b="0" i="1" smtClean="0">
+                                      <a:latin typeface="Cambria Math" panose="02040503050406030204" pitchFamily="18" charset="0"/>
+                                    </a:rPr>
+                                  </m:ctrlPr>
+                                </m:fPr>
+                                <m:num>
+                                  <m:r>
+                                    <a:rPr lang="en-US" altLang="ko-KR" sz="1100" b="0" i="1" smtClean="0">
+                                      <a:latin typeface="Cambria Math"/>
+                                    </a:rPr>
+                                    <m:t>2</m:t>
+                                  </m:r>
+                                  <m:r>
+                                    <a:rPr lang="en-US" altLang="ko-KR" sz="1100" b="0" i="1" smtClean="0">
+                                      <a:latin typeface="Cambria Math"/>
+                                    </a:rPr>
+                                    <m:t>𝜋</m:t>
+                                  </m:r>
+                                  <m:r>
+                                    <a:rPr lang="en-US" altLang="ko-KR" sz="1100" b="0" i="1" smtClean="0">
+                                      <a:latin typeface="Cambria Math"/>
+                                    </a:rPr>
+                                    <m:t>𝑛</m:t>
+                                  </m:r>
+                                </m:num>
+                                <m:den>
+                                  <m:r>
+                                    <a:rPr lang="en-US" altLang="ko-KR" sz="1100" b="0" i="1" smtClean="0">
+                                      <a:latin typeface="Cambria Math"/>
+                                    </a:rPr>
+                                    <m:t>6</m:t>
+                                  </m:r>
+                                </m:den>
+                              </m:f>
+                            </m:e>
+                          </m:d>
+                        </m:e>
+                      </m:func>
+                    </m:oMath>
+                  </m:oMathPara>
+                </a14:m>
+                <a:endParaRPr lang="en-US" altLang="ko-KR" sz="1100" b="0" dirty="0"/>
+              </a:p>
+              <a:p>
+                <a:pPr/>
+                <a14:m>
+                  <m:oMathPara xmlns:m="http://schemas.openxmlformats.org/officeDocument/2006/math">
+                    <m:oMathParaPr>
+                      <m:jc m:val="centerGroup"/>
+                    </m:oMathParaPr>
+                    <m:oMath xmlns:m="http://schemas.openxmlformats.org/officeDocument/2006/math">
+                      <m:r>
+                        <a:rPr lang="en-US" altLang="ko-KR" sz="1100" b="0" i="1" smtClean="0">
+                          <a:latin typeface="Cambria Math"/>
+                        </a:rPr>
+                        <m:t>𝑛</m:t>
+                      </m:r>
+                      <m:r>
+                        <a:rPr lang="en-US" altLang="ko-KR" sz="1100" b="0" i="1" smtClean="0">
+                          <a:latin typeface="Cambria Math"/>
+                        </a:rPr>
+                        <m:t>=3, 9, 15, ⋯</m:t>
+                      </m:r>
+                    </m:oMath>
+                  </m:oMathPara>
+                </a14:m>
+                <a:endParaRPr lang="en-US" altLang="ko-KR" sz="1100" b="0" dirty="0"/>
+              </a:p>
+            </p:txBody>
+          </p:sp>
+        </mc:Choice>
+        <mc:Fallback xmlns="">
+          <p:sp>
+            <p:nvSpPr>
+              <p:cNvPr id="20" name="TextBox 19"/>
+              <p:cNvSpPr txBox="1">
+                <a:spLocks noRot="1" noChangeAspect="1" noMove="1" noResize="1" noEditPoints="1" noAdjustHandles="1" noChangeArrowheads="1" noChangeShapeType="1" noTextEdit="1"/>
+              </p:cNvSpPr>
+              <p:nvPr/>
+            </p:nvSpPr>
+            <p:spPr>
+              <a:xfrm>
+                <a:off x="1475656" y="2627727"/>
+                <a:ext cx="1092671" cy="641971"/>
+              </a:xfrm>
+              <a:prstGeom prst="rect">
+                <a:avLst/>
+              </a:prstGeom>
+              <a:blipFill rotWithShape="1">
+                <a:blip r:embed="rId6"/>
+                <a:stretch>
+                  <a:fillRect/>
+                </a:stretch>
+              </a:blipFill>
+            </p:spPr>
+            <p:txBody>
+              <a:bodyPr/>
+              <a:lstStyle/>
+              <a:p>
+                <a:r>
+                  <a:rPr lang="ko-KR" altLang="en-US">
+                    <a:noFill/>
+                  </a:rPr>
+                  <a:t> </a:t>
+                </a:r>
+              </a:p>
+            </p:txBody>
+          </p:sp>
+        </mc:Fallback>
+      </mc:AlternateContent>
+      <mc:AlternateContent xmlns:mc="http://schemas.openxmlformats.org/markup-compatibility/2006" xmlns:a14="http://schemas.microsoft.com/office/drawing/2010/main">
+        <mc:Choice Requires="a14">
+          <p:sp>
+            <p:nvSpPr>
+              <p:cNvPr id="21" name="TextBox 20"/>
+              <p:cNvSpPr txBox="1"/>
+              <p:nvPr/>
+            </p:nvSpPr>
+            <p:spPr>
+              <a:xfrm>
+                <a:off x="2267744" y="4725144"/>
+                <a:ext cx="1171218" cy="641971"/>
+              </a:xfrm>
+              <a:prstGeom prst="rect">
+                <a:avLst/>
+              </a:prstGeom>
+              <a:noFill/>
+            </p:spPr>
+            <p:txBody>
+              <a:bodyPr wrap="none" rtlCol="0">
+                <a:spAutoFit/>
+              </a:bodyPr>
+              <a:lstStyle/>
+              <a:p>
+                <a:pPr/>
+                <a14:m>
+                  <m:oMathPara xmlns:m="http://schemas.openxmlformats.org/officeDocument/2006/math">
+                    <m:oMathParaPr>
+                      <m:jc m:val="centerGroup"/>
+                    </m:oMathParaPr>
+                    <m:oMath xmlns:m="http://schemas.openxmlformats.org/officeDocument/2006/math">
+                      <m:func>
+                        <m:funcPr>
+                          <m:ctrlPr>
+                            <a:rPr lang="en-US" altLang="ko-KR" sz="1100" b="0" i="1" smtClean="0">
+                              <a:latin typeface="Cambria Math" panose="02040503050406030204" pitchFamily="18" charset="0"/>
+                            </a:rPr>
+                          </m:ctrlPr>
+                        </m:funcPr>
+                        <m:fName>
+                          <m:r>
+                            <m:rPr>
+                              <m:sty m:val="p"/>
+                            </m:rPr>
+                            <a:rPr lang="en-US" altLang="ko-KR" sz="1100" b="0" i="0" smtClean="0">
+                              <a:latin typeface="Cambria Math"/>
+                            </a:rPr>
+                            <m:t>exp</m:t>
+                          </m:r>
+                        </m:fName>
+                        <m:e>
+                          <m:d>
+                            <m:dPr>
+                              <m:ctrlPr>
+                                <a:rPr lang="en-US" altLang="ko-KR" sz="1100" b="0" i="1" smtClean="0">
+                                  <a:latin typeface="Cambria Math" panose="02040503050406030204" pitchFamily="18" charset="0"/>
+                                </a:rPr>
+                              </m:ctrlPr>
+                            </m:dPr>
+                            <m:e>
+                              <m:r>
+                                <a:rPr lang="en-US" altLang="ko-KR" sz="1100" b="0" i="1" smtClean="0">
+                                  <a:latin typeface="Cambria Math"/>
+                                </a:rPr>
+                                <m:t>𝑗</m:t>
+                              </m:r>
+                              <m:f>
+                                <m:fPr>
+                                  <m:ctrlPr>
+                                    <a:rPr lang="en-US" altLang="ko-KR" sz="1100" b="0" i="1" smtClean="0">
+                                      <a:latin typeface="Cambria Math" panose="02040503050406030204" pitchFamily="18" charset="0"/>
+                                    </a:rPr>
+                                  </m:ctrlPr>
+                                </m:fPr>
+                                <m:num>
+                                  <m:r>
+                                    <a:rPr lang="en-US" altLang="ko-KR" sz="1100" b="0" i="1" smtClean="0">
+                                      <a:latin typeface="Cambria Math"/>
+                                    </a:rPr>
+                                    <m:t>2</m:t>
+                                  </m:r>
+                                  <m:r>
+                                    <a:rPr lang="en-US" altLang="ko-KR" sz="1100" b="0" i="1" smtClean="0">
+                                      <a:latin typeface="Cambria Math"/>
+                                    </a:rPr>
+                                    <m:t>𝜋</m:t>
+                                  </m:r>
+                                  <m:r>
+                                    <a:rPr lang="en-US" altLang="ko-KR" sz="1100" b="0" i="1" smtClean="0">
+                                      <a:latin typeface="Cambria Math"/>
+                                    </a:rPr>
+                                    <m:t>𝑛</m:t>
+                                  </m:r>
+                                </m:num>
+                                <m:den>
+                                  <m:r>
+                                    <a:rPr lang="en-US" altLang="ko-KR" sz="1100" b="0" i="1" smtClean="0">
+                                      <a:latin typeface="Cambria Math"/>
+                                    </a:rPr>
+                                    <m:t>6</m:t>
+                                  </m:r>
+                                </m:den>
+                              </m:f>
+                            </m:e>
+                          </m:d>
+                        </m:e>
+                      </m:func>
+                    </m:oMath>
+                  </m:oMathPara>
+                </a14:m>
+                <a:endParaRPr lang="en-US" altLang="ko-KR" sz="1100" b="0" dirty="0"/>
+              </a:p>
+              <a:p>
+                <a:pPr/>
+                <a14:m>
+                  <m:oMathPara xmlns:m="http://schemas.openxmlformats.org/officeDocument/2006/math">
+                    <m:oMathParaPr>
+                      <m:jc m:val="centerGroup"/>
+                    </m:oMathParaPr>
+                    <m:oMath xmlns:m="http://schemas.openxmlformats.org/officeDocument/2006/math">
+                      <m:r>
+                        <a:rPr lang="en-US" altLang="ko-KR" sz="1100" b="0" i="1" smtClean="0">
+                          <a:latin typeface="Cambria Math"/>
+                        </a:rPr>
+                        <m:t>𝑛</m:t>
+                      </m:r>
+                      <m:r>
+                        <a:rPr lang="en-US" altLang="ko-KR" sz="1100" b="0" i="1" smtClean="0">
+                          <a:latin typeface="Cambria Math"/>
+                        </a:rPr>
+                        <m:t>=4, 10, 16, ⋯</m:t>
+                      </m:r>
+                    </m:oMath>
+                  </m:oMathPara>
+                </a14:m>
+                <a:endParaRPr lang="en-US" altLang="ko-KR" sz="1100" b="0" dirty="0"/>
+              </a:p>
+            </p:txBody>
+          </p:sp>
+        </mc:Choice>
+        <mc:Fallback xmlns="">
+          <p:sp>
+            <p:nvSpPr>
+              <p:cNvPr id="21" name="TextBox 20"/>
+              <p:cNvSpPr txBox="1">
+                <a:spLocks noRot="1" noChangeAspect="1" noMove="1" noResize="1" noEditPoints="1" noAdjustHandles="1" noChangeArrowheads="1" noChangeShapeType="1" noTextEdit="1"/>
+              </p:cNvSpPr>
+              <p:nvPr/>
+            </p:nvSpPr>
+            <p:spPr>
+              <a:xfrm>
+                <a:off x="2267744" y="4725144"/>
+                <a:ext cx="1171218" cy="641971"/>
+              </a:xfrm>
+              <a:prstGeom prst="rect">
+                <a:avLst/>
+              </a:prstGeom>
+              <a:blipFill rotWithShape="1">
+                <a:blip r:embed="rId7"/>
+                <a:stretch>
+                  <a:fillRect/>
+                </a:stretch>
+              </a:blipFill>
+            </p:spPr>
+            <p:txBody>
+              <a:bodyPr/>
+              <a:lstStyle/>
+              <a:p>
+                <a:r>
+                  <a:rPr lang="ko-KR" altLang="en-US">
+                    <a:noFill/>
+                  </a:rPr>
+                  <a:t> </a:t>
+                </a:r>
+              </a:p>
+            </p:txBody>
+          </p:sp>
+        </mc:Fallback>
+      </mc:AlternateContent>
+      <mc:AlternateContent xmlns:mc="http://schemas.openxmlformats.org/markup-compatibility/2006" xmlns:a14="http://schemas.microsoft.com/office/drawing/2010/main">
+        <mc:Choice Requires="a14">
+          <p:sp>
+            <p:nvSpPr>
+              <p:cNvPr id="22" name="TextBox 21"/>
+              <p:cNvSpPr txBox="1"/>
+              <p:nvPr/>
+            </p:nvSpPr>
+            <p:spPr>
+              <a:xfrm>
+                <a:off x="5212565" y="4725144"/>
+                <a:ext cx="1171218" cy="641971"/>
+              </a:xfrm>
+              <a:prstGeom prst="rect">
+                <a:avLst/>
+              </a:prstGeom>
+              <a:noFill/>
+            </p:spPr>
+            <p:txBody>
+              <a:bodyPr wrap="none" rtlCol="0">
+                <a:spAutoFit/>
+              </a:bodyPr>
+              <a:lstStyle/>
+              <a:p>
+                <a:pPr/>
+                <a14:m>
+                  <m:oMathPara xmlns:m="http://schemas.openxmlformats.org/officeDocument/2006/math">
+                    <m:oMathParaPr>
+                      <m:jc m:val="centerGroup"/>
+                    </m:oMathParaPr>
+                    <m:oMath xmlns:m="http://schemas.openxmlformats.org/officeDocument/2006/math">
+                      <m:func>
+                        <m:funcPr>
+                          <m:ctrlPr>
+                            <a:rPr lang="en-US" altLang="ko-KR" sz="1100" b="0" i="1" smtClean="0">
+                              <a:latin typeface="Cambria Math" panose="02040503050406030204" pitchFamily="18" charset="0"/>
+                            </a:rPr>
+                          </m:ctrlPr>
+                        </m:funcPr>
+                        <m:fName>
+                          <m:r>
+                            <m:rPr>
+                              <m:sty m:val="p"/>
+                            </m:rPr>
+                            <a:rPr lang="en-US" altLang="ko-KR" sz="1100" b="0" i="0" smtClean="0">
+                              <a:latin typeface="Cambria Math"/>
+                            </a:rPr>
+                            <m:t>exp</m:t>
+                          </m:r>
+                        </m:fName>
+                        <m:e>
+                          <m:d>
+                            <m:dPr>
+                              <m:ctrlPr>
+                                <a:rPr lang="en-US" altLang="ko-KR" sz="1100" b="0" i="1" smtClean="0">
+                                  <a:latin typeface="Cambria Math" panose="02040503050406030204" pitchFamily="18" charset="0"/>
+                                </a:rPr>
+                              </m:ctrlPr>
+                            </m:dPr>
+                            <m:e>
+                              <m:r>
+                                <a:rPr lang="en-US" altLang="ko-KR" sz="1100" b="0" i="1" smtClean="0">
+                                  <a:latin typeface="Cambria Math"/>
+                                </a:rPr>
+                                <m:t>𝑗</m:t>
+                              </m:r>
+                              <m:f>
+                                <m:fPr>
+                                  <m:ctrlPr>
+                                    <a:rPr lang="en-US" altLang="ko-KR" sz="1100" b="0" i="1" smtClean="0">
+                                      <a:latin typeface="Cambria Math" panose="02040503050406030204" pitchFamily="18" charset="0"/>
+                                    </a:rPr>
+                                  </m:ctrlPr>
+                                </m:fPr>
+                                <m:num>
+                                  <m:r>
+                                    <a:rPr lang="en-US" altLang="ko-KR" sz="1100" b="0" i="1" smtClean="0">
+                                      <a:latin typeface="Cambria Math"/>
+                                    </a:rPr>
+                                    <m:t>2</m:t>
+                                  </m:r>
+                                  <m:r>
+                                    <a:rPr lang="en-US" altLang="ko-KR" sz="1100" b="0" i="1" smtClean="0">
+                                      <a:latin typeface="Cambria Math"/>
+                                    </a:rPr>
+                                    <m:t>𝜋</m:t>
+                                  </m:r>
+                                  <m:r>
+                                    <a:rPr lang="en-US" altLang="ko-KR" sz="1100" b="0" i="1" smtClean="0">
+                                      <a:latin typeface="Cambria Math"/>
+                                    </a:rPr>
+                                    <m:t>𝑛</m:t>
+                                  </m:r>
+                                </m:num>
+                                <m:den>
+                                  <m:r>
+                                    <a:rPr lang="en-US" altLang="ko-KR" sz="1100" b="0" i="1" smtClean="0">
+                                      <a:latin typeface="Cambria Math"/>
+                                    </a:rPr>
+                                    <m:t>6</m:t>
+                                  </m:r>
+                                </m:den>
+                              </m:f>
+                            </m:e>
+                          </m:d>
+                        </m:e>
+                      </m:func>
+                    </m:oMath>
+                  </m:oMathPara>
+                </a14:m>
+                <a:endParaRPr lang="en-US" altLang="ko-KR" sz="1100" b="0" dirty="0"/>
+              </a:p>
+              <a:p>
+                <a:pPr/>
+                <a14:m>
+                  <m:oMathPara xmlns:m="http://schemas.openxmlformats.org/officeDocument/2006/math">
+                    <m:oMathParaPr>
+                      <m:jc m:val="centerGroup"/>
+                    </m:oMathParaPr>
+                    <m:oMath xmlns:m="http://schemas.openxmlformats.org/officeDocument/2006/math">
+                      <m:r>
+                        <a:rPr lang="en-US" altLang="ko-KR" sz="1100" b="0" i="1" smtClean="0">
+                          <a:latin typeface="Cambria Math"/>
+                        </a:rPr>
+                        <m:t>𝑛</m:t>
+                      </m:r>
+                      <m:r>
+                        <a:rPr lang="en-US" altLang="ko-KR" sz="1100" b="0" i="1" smtClean="0">
+                          <a:latin typeface="Cambria Math"/>
+                        </a:rPr>
+                        <m:t>=5, 11, 17, ⋯</m:t>
+                      </m:r>
+                    </m:oMath>
+                  </m:oMathPara>
+                </a14:m>
+                <a:endParaRPr lang="en-US" altLang="ko-KR" sz="1100" b="0" dirty="0"/>
+              </a:p>
+            </p:txBody>
+          </p:sp>
+        </mc:Choice>
+        <mc:Fallback xmlns="">
+          <p:sp>
+            <p:nvSpPr>
+              <p:cNvPr id="22" name="TextBox 21"/>
+              <p:cNvSpPr txBox="1">
+                <a:spLocks noRot="1" noChangeAspect="1" noMove="1" noResize="1" noEditPoints="1" noAdjustHandles="1" noChangeArrowheads="1" noChangeShapeType="1" noTextEdit="1"/>
+              </p:cNvSpPr>
+              <p:nvPr/>
+            </p:nvSpPr>
+            <p:spPr>
+              <a:xfrm>
+                <a:off x="5212565" y="4725144"/>
+                <a:ext cx="1171218" cy="641971"/>
+              </a:xfrm>
+              <a:prstGeom prst="rect">
+                <a:avLst/>
+              </a:prstGeom>
+              <a:blipFill rotWithShape="1">
+                <a:blip r:embed="rId8"/>
+                <a:stretch>
+                  <a:fillRect/>
+                </a:stretch>
+              </a:blipFill>
+            </p:spPr>
+            <p:txBody>
+              <a:bodyPr/>
+              <a:lstStyle/>
+              <a:p>
+                <a:r>
+                  <a:rPr lang="ko-KR" altLang="en-US">
+                    <a:noFill/>
+                  </a:rPr>
+                  <a:t> </a:t>
+                </a:r>
+              </a:p>
+            </p:txBody>
+          </p:sp>
+        </mc:Fallback>
+      </mc:AlternateContent>
+      <p:sp>
+        <p:nvSpPr>
+          <p:cNvPr id="3" name="TextBox 2"/>
+          <p:cNvSpPr txBox="1"/>
+          <p:nvPr/>
+        </p:nvSpPr>
+        <p:spPr>
+          <a:xfrm>
+            <a:off x="6630503" y="3429000"/>
+            <a:ext cx="657552" cy="261610"/>
+          </a:xfrm>
+          <a:prstGeom prst="rect">
+            <a:avLst/>
+          </a:prstGeom>
+          <a:noFill/>
+        </p:spPr>
+        <p:txBody>
+          <a:bodyPr wrap="none" rtlCol="0">
+            <a:spAutoFit/>
+          </a:bodyPr>
+          <a:lstStyle/>
+          <a:p>
+            <a:r>
+              <a:rPr lang="ko-KR" altLang="en-US" sz="1100"/>
+              <a:t>실수 축</a:t>
+            </a:r>
+          </a:p>
+        </p:txBody>
+      </p:sp>
+      <p:sp>
+        <p:nvSpPr>
+          <p:cNvPr id="4" name="TextBox 3">
+            <a:extLst>
+              <a:ext uri="{FF2B5EF4-FFF2-40B4-BE49-F238E27FC236}">
+                <a16:creationId xmlns:a16="http://schemas.microsoft.com/office/drawing/2014/main" id="{11535C70-DAA9-9102-AD93-8AACAB21ADD5}"/>
+              </a:ext>
+            </a:extLst>
+          </p:cNvPr>
+          <p:cNvSpPr txBox="1"/>
+          <p:nvPr/>
+        </p:nvSpPr>
+        <p:spPr>
+          <a:xfrm>
+            <a:off x="4427984" y="611396"/>
+            <a:ext cx="1212448" cy="276999"/>
+          </a:xfrm>
+          <a:prstGeom prst="rect">
+            <a:avLst/>
+          </a:prstGeom>
+          <a:solidFill>
+            <a:schemeClr val="bg1"/>
+          </a:solidFill>
+        </p:spPr>
+        <p:txBody>
+          <a:bodyPr wrap="none" rtlCol="0">
+            <a:spAutoFit/>
+          </a:bodyPr>
+          <a:lstStyle/>
+          <a:p>
+            <a:r>
+              <a:rPr lang="en-US" sz="1200" dirty="0"/>
+              <a:t>Imaginary Axis</a:t>
+            </a:r>
+          </a:p>
+        </p:txBody>
+      </p:sp>
+      <p:sp>
+        <p:nvSpPr>
+          <p:cNvPr id="6" name="TextBox 5">
+            <a:extLst>
+              <a:ext uri="{FF2B5EF4-FFF2-40B4-BE49-F238E27FC236}">
+                <a16:creationId xmlns:a16="http://schemas.microsoft.com/office/drawing/2014/main" id="{8935B7C6-585D-7B08-3A2F-68A0A25180B5}"/>
+              </a:ext>
+            </a:extLst>
+          </p:cNvPr>
+          <p:cNvSpPr txBox="1"/>
+          <p:nvPr/>
+        </p:nvSpPr>
+        <p:spPr>
+          <a:xfrm>
+            <a:off x="6499941" y="3429000"/>
+            <a:ext cx="808363" cy="276999"/>
+          </a:xfrm>
+          <a:prstGeom prst="rect">
+            <a:avLst/>
+          </a:prstGeom>
+          <a:solidFill>
+            <a:schemeClr val="bg1"/>
+          </a:solidFill>
+        </p:spPr>
+        <p:txBody>
+          <a:bodyPr wrap="none" rtlCol="0">
+            <a:spAutoFit/>
+          </a:bodyPr>
+          <a:lstStyle/>
+          <a:p>
+            <a:r>
+              <a:rPr lang="en-US" sz="1200" dirty="0"/>
+              <a:t>Real Axis</a:t>
+            </a:r>
+          </a:p>
+        </p:txBody>
+      </p:sp>
+    </p:spTree>
+    <p:extLst>
+      <p:ext uri="{BB962C8B-B14F-4D97-AF65-F5344CB8AC3E}">
+        <p14:creationId xmlns:p14="http://schemas.microsoft.com/office/powerpoint/2010/main" val="3606183247"/>
+      </p:ext>
+    </p:extLst>
+  </p:cSld>
+  <p:clrMapOvr>
+    <a:masterClrMapping/>
+  </p:clrMapOvr>
+</p:sld>
+</file>
+
+<file path=ppt/slides/slide3.xml><?xml version="1.0" encoding="utf-8"?>
+<p:sld xmlns:a="http://schemas.openxmlformats.org/drawingml/2006/main" xmlns:r="http://schemas.openxmlformats.org/officeDocument/2006/relationships" xmlns:p="http://schemas.openxmlformats.org/presentationml/2006/main">
+  <p:cSld>
+    <p:spTree>
+      <p:nvGrpSpPr>
+        <p:cNvPr id="1" name=""/>
+        <p:cNvGrpSpPr/>
+        <p:nvPr/>
+      </p:nvGrpSpPr>
+      <p:grpSpPr>
+        <a:xfrm>
+          <a:off x="0" y="0"/>
+          <a:ext cx="0" cy="0"/>
+          <a:chOff x="0" y="0"/>
+          <a:chExt cx="0" cy="0"/>
+        </a:xfrm>
+      </p:grpSpPr>
+      <p:pic>
+        <p:nvPicPr>
+          <p:cNvPr id="1026" name="Picture 2"/>
+          <p:cNvPicPr>
+            <a:picLocks noChangeAspect="1" noChangeArrowheads="1"/>
+          </p:cNvPicPr>
+          <p:nvPr/>
+        </p:nvPicPr>
+        <p:blipFill rotWithShape="1">
+          <a:blip r:embed="rId2">
+            <a:extLst>
+              <a:ext uri="{28A0092B-C50C-407E-A947-70E740481C1C}">
+                <a14:useLocalDpi xmlns:a14="http://schemas.microsoft.com/office/drawing/2010/main" val="0"/>
+              </a:ext>
+            </a:extLst>
+          </a:blip>
+          <a:srcRect l="23709" t="4718" r="15913" b="9462"/>
+          <a:stretch/>
+        </p:blipFill>
+        <p:spPr bwMode="auto">
+          <a:xfrm>
+            <a:off x="1699404" y="629729"/>
+            <a:ext cx="5745192" cy="5305246"/>
+          </a:xfrm>
+          <a:prstGeom prst="rect">
+            <a:avLst/>
+          </a:prstGeom>
+          <a:noFill/>
+          <a:ln>
+            <a:noFill/>
+          </a:ln>
+          <a:effectLst/>
+          <a:extLst>
+            <a:ext uri="{909E8E84-426E-40DD-AFC4-6F175D3DCCD1}">
+              <a14:hiddenFill xmlns:a14="http://schemas.microsoft.com/office/drawing/2010/main">
+                <a:solidFill>
+                  <a:schemeClr val="accent1"/>
+                </a:solidFill>
+              </a14:hiddenFill>
+            </a:ext>
+            <a:ext uri="{91240B29-F687-4F45-9708-019B960494DF}">
+              <a14:hiddenLine xmlns:a14="http://schemas.microsoft.com/office/drawing/2010/main" w="9525">
+                <a:solidFill>
+                  <a:schemeClr val="tx1"/>
+                </a:solidFill>
+                <a:miter lim="800000"/>
+                <a:headEnd/>
+                <a:tailEnd/>
+              </a14:hiddenLine>
+            </a:ext>
+            <a:ext uri="{AF507438-7753-43E0-B8FC-AC1667EBCBE1}">
+              <a14:hiddenEffects xmlns:a14="http://schemas.microsoft.com/office/drawing/2010/main">
+                <a:effectLst>
+                  <a:outerShdw dist="35921" dir="2700000" algn="ctr" rotWithShape="0">
+                    <a:schemeClr val="bg2"/>
+                  </a:outerShdw>
+                </a:effectLst>
+              </a14:hiddenEffects>
+            </a:ext>
+          </a:extLst>
+        </p:spPr>
+      </p:pic>
+      <p:sp>
+        <p:nvSpPr>
+          <p:cNvPr id="5" name="원호 4"/>
+          <p:cNvSpPr/>
+          <p:nvPr/>
+        </p:nvSpPr>
+        <p:spPr>
+          <a:xfrm>
+            <a:off x="3687652" y="2632780"/>
+            <a:ext cx="1368152" cy="1368152"/>
+          </a:xfrm>
+          <a:prstGeom prst="arc">
+            <a:avLst>
+              <a:gd name="adj1" fmla="val 12092999"/>
+              <a:gd name="adj2" fmla="val 20224476"/>
+            </a:avLst>
+          </a:prstGeom>
+          <a:ln w="19050">
+            <a:solidFill>
+              <a:schemeClr val="accent1"/>
+            </a:solidFill>
+            <a:prstDash val="solid"/>
+            <a:headEnd type="arrow" w="med" len="med"/>
+            <a:tailEnd type="none" w="med" len="med"/>
+          </a:ln>
+        </p:spPr>
+        <p:style>
+          <a:lnRef idx="1">
+            <a:schemeClr val="accent1"/>
+          </a:lnRef>
+          <a:fillRef idx="0">
+            <a:schemeClr val="accent1"/>
+          </a:fillRef>
+          <a:effectRef idx="0">
+            <a:schemeClr val="accent1"/>
+          </a:effectRef>
+          <a:fontRef idx="minor">
+            <a:schemeClr val="tx1"/>
+          </a:fontRef>
+        </p:style>
+        <p:txBody>
+          <a:bodyPr rtlCol="0" anchor="ctr"/>
+          <a:lstStyle/>
+          <a:p>
+            <a:pPr algn="ctr"/>
+            <a:endParaRPr lang="ko-KR" altLang="en-US"/>
+          </a:p>
+        </p:txBody>
+      </p:sp>
       <mc:AlternateContent xmlns:mc="http://schemas.openxmlformats.org/markup-compatibility/2006" xmlns:a14="http://schemas.microsoft.com/office/drawing/2010/main">
         <mc:Choice Requires="a14">
           <p:sp>
@@ -4478,16 +5839,12 @@
                   </m:oMath>
                 </a14:m>
                 <a:r>
-                  <a:rPr lang="ko-KR" altLang="en-US" dirty="0" smtClean="0">
+                  <a:rPr lang="ko-KR" altLang="en-US" dirty="0">
                     <a:latin typeface="마루 부리 Beta" pitchFamily="50" charset="-127"/>
                     <a:ea typeface="마루 부리 Beta" pitchFamily="50" charset="-127"/>
                   </a:rPr>
                   <a:t>는 정수</a:t>
                 </a:r>
-                <a:endParaRPr lang="ko-KR" altLang="en-US" dirty="0">
-                  <a:latin typeface="마루 부리 Beta" pitchFamily="50" charset="-127"/>
-                  <a:ea typeface="마루 부리 Beta" pitchFamily="50" charset="-127"/>
-                </a:endParaRPr>
               </a:p>
             </p:txBody>
           </p:sp>
@@ -4571,7 +5928,7 @@
                         <m:funcPr>
                           <m:ctrlPr>
                             <a:rPr lang="en-US" altLang="ko-KR" sz="1100" b="0" i="1" smtClean="0">
-                              <a:latin typeface="Cambria Math"/>
+                              <a:latin typeface="Cambria Math" panose="02040503050406030204" pitchFamily="18" charset="0"/>
                             </a:rPr>
                           </m:ctrlPr>
                         </m:funcPr>
@@ -4591,7 +5948,7 @@
                             <m:dPr>
                               <m:ctrlPr>
                                 <a:rPr lang="en-US" altLang="ko-KR" sz="1100" b="0" i="1" smtClean="0">
-                                  <a:latin typeface="Cambria Math"/>
+                                  <a:latin typeface="Cambria Math" panose="02040503050406030204" pitchFamily="18" charset="0"/>
                                 </a:rPr>
                               </m:ctrlPr>
                             </m:dPr>
@@ -4606,7 +5963,7 @@
                                 <m:dPr>
                                   <m:ctrlPr>
                                     <a:rPr lang="en-US" altLang="ko-KR" sz="1100" b="0" i="1" smtClean="0">
-                                      <a:latin typeface="Cambria Math"/>
+                                      <a:latin typeface="Cambria Math" panose="02040503050406030204" pitchFamily="18" charset="0"/>
                                     </a:rPr>
                                   </m:ctrlPr>
                                 </m:dPr>
@@ -4615,7 +5972,7 @@
                                     <m:fPr>
                                       <m:ctrlPr>
                                         <a:rPr lang="en-US" altLang="ko-KR" sz="1100" b="0" i="1" smtClean="0">
-                                          <a:latin typeface="Cambria Math"/>
+                                          <a:latin typeface="Cambria Math" panose="02040503050406030204" pitchFamily="18" charset="0"/>
                                         </a:rPr>
                                       </m:ctrlPr>
                                     </m:fPr>
@@ -4669,7 +6026,7 @@
                     </m:oMath>
                   </m:oMathPara>
                 </a14:m>
-                <a:endParaRPr lang="en-US" altLang="ko-KR" sz="1100" b="0" dirty="0" smtClean="0"/>
+                <a:endParaRPr lang="en-US" altLang="ko-KR" sz="1100" b="0" dirty="0"/>
               </a:p>
             </p:txBody>
           </p:sp>
@@ -4748,7 +6105,7 @@
                         <m:funcPr>
                           <m:ctrlPr>
                             <a:rPr lang="en-US" altLang="ko-KR" sz="1100" b="0" i="1" smtClean="0">
-                              <a:latin typeface="Cambria Math"/>
+                              <a:latin typeface="Cambria Math" panose="02040503050406030204" pitchFamily="18" charset="0"/>
                             </a:rPr>
                           </m:ctrlPr>
                         </m:funcPr>
@@ -4768,7 +6125,7 @@
                             <m:dPr>
                               <m:ctrlPr>
                                 <a:rPr lang="en-US" altLang="ko-KR" sz="1100" b="0" i="1" smtClean="0">
-                                  <a:latin typeface="Cambria Math"/>
+                                  <a:latin typeface="Cambria Math" panose="02040503050406030204" pitchFamily="18" charset="0"/>
                                 </a:rPr>
                               </m:ctrlPr>
                             </m:dPr>
@@ -4783,7 +6140,7 @@
                                 <m:dPr>
                                   <m:ctrlPr>
                                     <a:rPr lang="en-US" altLang="ko-KR" sz="1100" b="0" i="1" smtClean="0">
-                                      <a:latin typeface="Cambria Math"/>
+                                      <a:latin typeface="Cambria Math" panose="02040503050406030204" pitchFamily="18" charset="0"/>
                                     </a:rPr>
                                   </m:ctrlPr>
                                 </m:dPr>
@@ -4792,7 +6149,7 @@
                                     <m:fPr>
                                       <m:ctrlPr>
                                         <a:rPr lang="en-US" altLang="ko-KR" sz="1100" b="0" i="1" smtClean="0">
-                                          <a:latin typeface="Cambria Math"/>
+                                          <a:latin typeface="Cambria Math" panose="02040503050406030204" pitchFamily="18" charset="0"/>
                                         </a:rPr>
                                       </m:ctrlPr>
                                     </m:fPr>
@@ -4925,7 +6282,7 @@
                         <m:funcPr>
                           <m:ctrlPr>
                             <a:rPr lang="en-US" altLang="ko-KR" sz="1100" b="0" i="1" smtClean="0">
-                              <a:latin typeface="Cambria Math"/>
+                              <a:latin typeface="Cambria Math" panose="02040503050406030204" pitchFamily="18" charset="0"/>
                             </a:rPr>
                           </m:ctrlPr>
                         </m:funcPr>
@@ -4945,7 +6302,7 @@
                             <m:dPr>
                               <m:ctrlPr>
                                 <a:rPr lang="en-US" altLang="ko-KR" sz="1100" b="0" i="1" smtClean="0">
-                                  <a:latin typeface="Cambria Math"/>
+                                  <a:latin typeface="Cambria Math" panose="02040503050406030204" pitchFamily="18" charset="0"/>
                                 </a:rPr>
                               </m:ctrlPr>
                             </m:dPr>
@@ -4960,7 +6317,7 @@
                                 <m:dPr>
                                   <m:ctrlPr>
                                     <a:rPr lang="en-US" altLang="ko-KR" sz="1100" b="0" i="1" smtClean="0">
-                                      <a:latin typeface="Cambria Math"/>
+                                      <a:latin typeface="Cambria Math" panose="02040503050406030204" pitchFamily="18" charset="0"/>
                                     </a:rPr>
                                   </m:ctrlPr>
                                 </m:dPr>
@@ -4969,7 +6326,7 @@
                                     <m:fPr>
                                       <m:ctrlPr>
                                         <a:rPr lang="en-US" altLang="ko-KR" sz="1100" b="0" i="1" smtClean="0">
-                                          <a:latin typeface="Cambria Math"/>
+                                          <a:latin typeface="Cambria Math" panose="02040503050406030204" pitchFamily="18" charset="0"/>
                                         </a:rPr>
                                       </m:ctrlPr>
                                     </m:fPr>
@@ -5102,7 +6459,7 @@
                         <m:funcPr>
                           <m:ctrlPr>
                             <a:rPr lang="en-US" altLang="ko-KR" sz="1100" b="0" i="1" smtClean="0">
-                              <a:latin typeface="Cambria Math"/>
+                              <a:latin typeface="Cambria Math" panose="02040503050406030204" pitchFamily="18" charset="0"/>
                             </a:rPr>
                           </m:ctrlPr>
                         </m:funcPr>
@@ -5122,7 +6479,7 @@
                             <m:dPr>
                               <m:ctrlPr>
                                 <a:rPr lang="en-US" altLang="ko-KR" sz="1100" b="0" i="1" smtClean="0">
-                                  <a:latin typeface="Cambria Math"/>
+                                  <a:latin typeface="Cambria Math" panose="02040503050406030204" pitchFamily="18" charset="0"/>
                                 </a:rPr>
                               </m:ctrlPr>
                             </m:dPr>
@@ -5137,7 +6494,7 @@
                                 <m:dPr>
                                   <m:ctrlPr>
                                     <a:rPr lang="en-US" altLang="ko-KR" sz="1100" b="0" i="1" smtClean="0">
-                                      <a:latin typeface="Cambria Math"/>
+                                      <a:latin typeface="Cambria Math" panose="02040503050406030204" pitchFamily="18" charset="0"/>
                                     </a:rPr>
                                   </m:ctrlPr>
                                 </m:dPr>
@@ -5146,7 +6503,7 @@
                                     <m:fPr>
                                       <m:ctrlPr>
                                         <a:rPr lang="en-US" altLang="ko-KR" sz="1100" b="0" i="1" smtClean="0">
-                                          <a:latin typeface="Cambria Math"/>
+                                          <a:latin typeface="Cambria Math" panose="02040503050406030204" pitchFamily="18" charset="0"/>
                                         </a:rPr>
                                       </m:ctrlPr>
                                     </m:fPr>
@@ -5279,7 +6636,7 @@
                         <m:funcPr>
                           <m:ctrlPr>
                             <a:rPr lang="en-US" altLang="ko-KR" sz="1100" b="0" i="1" smtClean="0">
-                              <a:latin typeface="Cambria Math"/>
+                              <a:latin typeface="Cambria Math" panose="02040503050406030204" pitchFamily="18" charset="0"/>
                             </a:rPr>
                           </m:ctrlPr>
                         </m:funcPr>
@@ -5299,7 +6656,7 @@
                             <m:dPr>
                               <m:ctrlPr>
                                 <a:rPr lang="en-US" altLang="ko-KR" sz="1100" b="0" i="1" smtClean="0">
-                                  <a:latin typeface="Cambria Math"/>
+                                  <a:latin typeface="Cambria Math" panose="02040503050406030204" pitchFamily="18" charset="0"/>
                                 </a:rPr>
                               </m:ctrlPr>
                             </m:dPr>
@@ -5314,7 +6671,7 @@
                                 <m:dPr>
                                   <m:ctrlPr>
                                     <a:rPr lang="en-US" altLang="ko-KR" sz="1100" b="0" i="1" smtClean="0">
-                                      <a:latin typeface="Cambria Math"/>
+                                      <a:latin typeface="Cambria Math" panose="02040503050406030204" pitchFamily="18" charset="0"/>
                                     </a:rPr>
                                   </m:ctrlPr>
                                 </m:dPr>
@@ -5323,7 +6680,7 @@
                                     <m:fPr>
                                       <m:ctrlPr>
                                         <a:rPr lang="en-US" altLang="ko-KR" sz="1100" b="0" i="1" smtClean="0">
-                                          <a:latin typeface="Cambria Math"/>
+                                          <a:latin typeface="Cambria Math" panose="02040503050406030204" pitchFamily="18" charset="0"/>
                                         </a:rPr>
                                       </m:ctrlPr>
                                     </m:fPr>
@@ -5456,7 +6813,7 @@
                         <m:funcPr>
                           <m:ctrlPr>
                             <a:rPr lang="en-US" altLang="ko-KR" sz="1100" b="0" i="1" smtClean="0">
-                              <a:latin typeface="Cambria Math"/>
+                              <a:latin typeface="Cambria Math" panose="02040503050406030204" pitchFamily="18" charset="0"/>
                             </a:rPr>
                           </m:ctrlPr>
                         </m:funcPr>
@@ -5476,7 +6833,7 @@
                             <m:dPr>
                               <m:ctrlPr>
                                 <a:rPr lang="en-US" altLang="ko-KR" sz="1100" b="0" i="1" smtClean="0">
-                                  <a:latin typeface="Cambria Math"/>
+                                  <a:latin typeface="Cambria Math" panose="02040503050406030204" pitchFamily="18" charset="0"/>
                                 </a:rPr>
                               </m:ctrlPr>
                             </m:dPr>
@@ -5491,7 +6848,7 @@
                                 <m:dPr>
                                   <m:ctrlPr>
                                     <a:rPr lang="en-US" altLang="ko-KR" sz="1100" b="0" i="1" smtClean="0">
-                                      <a:latin typeface="Cambria Math"/>
+                                      <a:latin typeface="Cambria Math" panose="02040503050406030204" pitchFamily="18" charset="0"/>
                                     </a:rPr>
                                   </m:ctrlPr>
                                 </m:dPr>
@@ -5500,7 +6857,7 @@
                                     <m:fPr>
                                       <m:ctrlPr>
                                         <a:rPr lang="en-US" altLang="ko-KR" sz="1100" b="0" i="1" smtClean="0">
-                                          <a:latin typeface="Cambria Math"/>
+                                          <a:latin typeface="Cambria Math" panose="02040503050406030204" pitchFamily="18" charset="0"/>
                                         </a:rPr>
                                       </m:ctrlPr>
                                     </m:fPr>
@@ -5601,6 +6958,1524 @@
     </p:spTree>
     <p:extLst>
       <p:ext uri="{BB962C8B-B14F-4D97-AF65-F5344CB8AC3E}">
+        <p14:creationId xmlns:p14="http://schemas.microsoft.com/office/powerpoint/2010/main" val="1576674151"/>
+      </p:ext>
+    </p:extLst>
+  </p:cSld>
+  <p:clrMapOvr>
+    <a:masterClrMapping/>
+  </p:clrMapOvr>
+</p:sld>
+</file>
+
+<file path=ppt/slides/slide4.xml><?xml version="1.0" encoding="utf-8"?>
+<p:sld xmlns:a="http://schemas.openxmlformats.org/drawingml/2006/main" xmlns:r="http://schemas.openxmlformats.org/officeDocument/2006/relationships" xmlns:p="http://schemas.openxmlformats.org/presentationml/2006/main">
+  <p:cSld>
+    <p:spTree>
+      <p:nvGrpSpPr>
+        <p:cNvPr id="1" name=""/>
+        <p:cNvGrpSpPr/>
+        <p:nvPr/>
+      </p:nvGrpSpPr>
+      <p:grpSpPr>
+        <a:xfrm>
+          <a:off x="0" y="0"/>
+          <a:ext cx="0" cy="0"/>
+          <a:chOff x="0" y="0"/>
+          <a:chExt cx="0" cy="0"/>
+        </a:xfrm>
+      </p:grpSpPr>
+      <p:pic>
+        <p:nvPicPr>
+          <p:cNvPr id="1026" name="Picture 2"/>
+          <p:cNvPicPr>
+            <a:picLocks noChangeAspect="1" noChangeArrowheads="1"/>
+          </p:cNvPicPr>
+          <p:nvPr/>
+        </p:nvPicPr>
+        <p:blipFill rotWithShape="1">
+          <a:blip r:embed="rId2">
+            <a:extLst>
+              <a:ext uri="{28A0092B-C50C-407E-A947-70E740481C1C}">
+                <a14:useLocalDpi xmlns:a14="http://schemas.microsoft.com/office/drawing/2010/main" val="0"/>
+              </a:ext>
+            </a:extLst>
+          </a:blip>
+          <a:srcRect l="23709" t="4718" r="15913" b="9462"/>
+          <a:stretch/>
+        </p:blipFill>
+        <p:spPr bwMode="auto">
+          <a:xfrm>
+            <a:off x="1699404" y="629729"/>
+            <a:ext cx="5745192" cy="5305246"/>
+          </a:xfrm>
+          <a:prstGeom prst="rect">
+            <a:avLst/>
+          </a:prstGeom>
+          <a:noFill/>
+          <a:ln>
+            <a:noFill/>
+          </a:ln>
+          <a:effectLst/>
+          <a:extLst>
+            <a:ext uri="{909E8E84-426E-40DD-AFC4-6F175D3DCCD1}">
+              <a14:hiddenFill xmlns:a14="http://schemas.microsoft.com/office/drawing/2010/main">
+                <a:solidFill>
+                  <a:schemeClr val="accent1"/>
+                </a:solidFill>
+              </a14:hiddenFill>
+            </a:ext>
+            <a:ext uri="{91240B29-F687-4F45-9708-019B960494DF}">
+              <a14:hiddenLine xmlns:a14="http://schemas.microsoft.com/office/drawing/2010/main" w="9525">
+                <a:solidFill>
+                  <a:schemeClr val="tx1"/>
+                </a:solidFill>
+                <a:miter lim="800000"/>
+                <a:headEnd/>
+                <a:tailEnd/>
+              </a14:hiddenLine>
+            </a:ext>
+            <a:ext uri="{AF507438-7753-43E0-B8FC-AC1667EBCBE1}">
+              <a14:hiddenEffects xmlns:a14="http://schemas.microsoft.com/office/drawing/2010/main">
+                <a:effectLst>
+                  <a:outerShdw dist="35921" dir="2700000" algn="ctr" rotWithShape="0">
+                    <a:schemeClr val="bg2"/>
+                  </a:outerShdw>
+                </a:effectLst>
+              </a14:hiddenEffects>
+            </a:ext>
+          </a:extLst>
+        </p:spPr>
+      </p:pic>
+      <p:sp>
+        <p:nvSpPr>
+          <p:cNvPr id="5" name="원호 4"/>
+          <p:cNvSpPr/>
+          <p:nvPr/>
+        </p:nvSpPr>
+        <p:spPr>
+          <a:xfrm>
+            <a:off x="3687652" y="2632780"/>
+            <a:ext cx="1368152" cy="1368152"/>
+          </a:xfrm>
+          <a:prstGeom prst="arc">
+            <a:avLst>
+              <a:gd name="adj1" fmla="val 12092999"/>
+              <a:gd name="adj2" fmla="val 20224476"/>
+            </a:avLst>
+          </a:prstGeom>
+          <a:ln w="19050">
+            <a:solidFill>
+              <a:schemeClr val="accent1"/>
+            </a:solidFill>
+            <a:prstDash val="solid"/>
+            <a:headEnd type="arrow" w="med" len="med"/>
+            <a:tailEnd type="none" w="med" len="med"/>
+          </a:ln>
+        </p:spPr>
+        <p:style>
+          <a:lnRef idx="1">
+            <a:schemeClr val="accent1"/>
+          </a:lnRef>
+          <a:fillRef idx="0">
+            <a:schemeClr val="accent1"/>
+          </a:fillRef>
+          <a:effectRef idx="0">
+            <a:schemeClr val="accent1"/>
+          </a:effectRef>
+          <a:fontRef idx="minor">
+            <a:schemeClr val="tx1"/>
+          </a:fontRef>
+        </p:style>
+        <p:txBody>
+          <a:bodyPr rtlCol="0" anchor="ctr"/>
+          <a:lstStyle/>
+          <a:p>
+            <a:pPr algn="ctr"/>
+            <a:endParaRPr lang="ko-KR" altLang="en-US"/>
+          </a:p>
+        </p:txBody>
+      </p:sp>
+      <mc:AlternateContent xmlns:mc="http://schemas.openxmlformats.org/markup-compatibility/2006" xmlns:a14="http://schemas.microsoft.com/office/drawing/2010/main">
+        <mc:Choice Requires="a14">
+          <p:sp>
+            <p:nvSpPr>
+              <p:cNvPr id="8" name="직사각형 7"/>
+              <p:cNvSpPr/>
+              <p:nvPr/>
+            </p:nvSpPr>
+            <p:spPr>
+              <a:xfrm>
+                <a:off x="6344510" y="4000932"/>
+                <a:ext cx="1092287" cy="369332"/>
+              </a:xfrm>
+              <a:prstGeom prst="rect">
+                <a:avLst/>
+              </a:prstGeom>
+              <a:ln>
+                <a:solidFill>
+                  <a:schemeClr val="tx1"/>
+                </a:solidFill>
+              </a:ln>
+            </p:spPr>
+            <p:txBody>
+              <a:bodyPr wrap="none">
+                <a:spAutoFit/>
+              </a:bodyPr>
+              <a:lstStyle/>
+              <a:p>
+                <a14:m>
+                  <m:oMath xmlns:m="http://schemas.openxmlformats.org/officeDocument/2006/math">
+                    <m:r>
+                      <a:rPr lang="en-US" altLang="ko-KR" i="1" smtClean="0">
+                        <a:latin typeface="Cambria Math"/>
+                      </a:rPr>
+                      <m:t>𝑘</m:t>
+                    </m:r>
+                  </m:oMath>
+                </a14:m>
+                <a:r>
+                  <a:rPr lang="ko-KR" altLang="en-US" dirty="0">
+                    <a:latin typeface="마루 부리 Beta" pitchFamily="50" charset="-127"/>
+                    <a:ea typeface="마루 부리 Beta" pitchFamily="50" charset="-127"/>
+                  </a:rPr>
+                  <a:t>는 정수</a:t>
+                </a:r>
+              </a:p>
+            </p:txBody>
+          </p:sp>
+        </mc:Choice>
+        <mc:Fallback xmlns="">
+          <p:sp>
+            <p:nvSpPr>
+              <p:cNvPr id="8" name="직사각형 7"/>
+              <p:cNvSpPr>
+                <a:spLocks noRot="1" noChangeAspect="1" noMove="1" noResize="1" noEditPoints="1" noAdjustHandles="1" noChangeArrowheads="1" noChangeShapeType="1" noTextEdit="1"/>
+              </p:cNvSpPr>
+              <p:nvPr/>
+            </p:nvSpPr>
+            <p:spPr>
+              <a:xfrm>
+                <a:off x="6344510" y="4000932"/>
+                <a:ext cx="1092287" cy="369332"/>
+              </a:xfrm>
+              <a:prstGeom prst="rect">
+                <a:avLst/>
+              </a:prstGeom>
+              <a:blipFill rotWithShape="1">
+                <a:blip r:embed="rId9"/>
+                <a:stretch>
+                  <a:fillRect t="-4762" r="-552" b="-23810"/>
+                </a:stretch>
+              </a:blipFill>
+              <a:ln>
+                <a:solidFill>
+                  <a:schemeClr val="tx1"/>
+                </a:solidFill>
+              </a:ln>
+            </p:spPr>
+            <p:txBody>
+              <a:bodyPr/>
+              <a:lstStyle/>
+              <a:p>
+                <a:r>
+                  <a:rPr lang="ko-KR" altLang="en-US">
+                    <a:noFill/>
+                  </a:rPr>
+                  <a:t> </a:t>
+                </a:r>
+              </a:p>
+            </p:txBody>
+          </p:sp>
+        </mc:Fallback>
+      </mc:AlternateContent>
+      <mc:AlternateContent xmlns:mc="http://schemas.openxmlformats.org/markup-compatibility/2006" xmlns:a14="http://schemas.microsoft.com/office/drawing/2010/main">
+        <mc:Choice Requires="a14">
+          <p:sp>
+            <p:nvSpPr>
+              <p:cNvPr id="15" name="TextBox 14"/>
+              <p:cNvSpPr txBox="1"/>
+              <p:nvPr/>
+            </p:nvSpPr>
+            <p:spPr>
+              <a:xfrm>
+                <a:off x="5982604" y="2636912"/>
+                <a:ext cx="1609094" cy="472694"/>
+              </a:xfrm>
+              <a:prstGeom prst="rect">
+                <a:avLst/>
+              </a:prstGeom>
+              <a:noFill/>
+            </p:spPr>
+            <p:txBody>
+              <a:bodyPr wrap="none" rtlCol="0">
+                <a:spAutoFit/>
+              </a:bodyPr>
+              <a:lstStyle/>
+              <a:p>
+                <a:pPr/>
+                <a14:m>
+                  <m:oMathPara xmlns:m="http://schemas.openxmlformats.org/officeDocument/2006/math">
+                    <m:oMathParaPr>
+                      <m:jc m:val="centerGroup"/>
+                    </m:oMathParaPr>
+                    <m:oMath xmlns:m="http://schemas.openxmlformats.org/officeDocument/2006/math">
+                      <m:func>
+                        <m:funcPr>
+                          <m:ctrlPr>
+                            <a:rPr lang="en-US" altLang="ko-KR" sz="1100" b="0" i="1" smtClean="0">
+                              <a:latin typeface="Cambria Math" panose="02040503050406030204" pitchFamily="18" charset="0"/>
+                            </a:rPr>
+                          </m:ctrlPr>
+                        </m:funcPr>
+                        <m:fName>
+                          <m:r>
+                            <m:rPr>
+                              <m:sty m:val="p"/>
+                            </m:rPr>
+                            <a:rPr lang="en-US" altLang="ko-KR" sz="1100" b="0" i="0" smtClean="0">
+                              <a:latin typeface="Cambria Math"/>
+                            </a:rPr>
+                            <m:t>exp</m:t>
+                          </m:r>
+                        </m:fName>
+                        <m:e>
+                          <m:d>
+                            <m:dPr>
+                              <m:ctrlPr>
+                                <a:rPr lang="en-US" altLang="ko-KR" sz="1100" b="0" i="1" smtClean="0">
+                                  <a:latin typeface="Cambria Math" panose="02040503050406030204" pitchFamily="18" charset="0"/>
+                                </a:rPr>
+                              </m:ctrlPr>
+                            </m:dPr>
+                            <m:e>
+                              <m:r>
+                                <a:rPr lang="en-US" altLang="ko-KR" sz="1100" b="0" i="1" smtClean="0">
+                                  <a:latin typeface="Cambria Math"/>
+                                </a:rPr>
+                                <m:t>𝑗</m:t>
+                              </m:r>
+                              <m:d>
+                                <m:dPr>
+                                  <m:ctrlPr>
+                                    <a:rPr lang="en-US" altLang="ko-KR" sz="1100" b="0" i="1" smtClean="0">
+                                      <a:latin typeface="Cambria Math" panose="02040503050406030204" pitchFamily="18" charset="0"/>
+                                    </a:rPr>
+                                  </m:ctrlPr>
+                                </m:dPr>
+                                <m:e>
+                                  <m:f>
+                                    <m:fPr>
+                                      <m:ctrlPr>
+                                        <a:rPr lang="en-US" altLang="ko-KR" sz="1100" b="0" i="1" smtClean="0">
+                                          <a:latin typeface="Cambria Math" panose="02040503050406030204" pitchFamily="18" charset="0"/>
+                                        </a:rPr>
+                                      </m:ctrlPr>
+                                    </m:fPr>
+                                    <m:num>
+                                      <m:r>
+                                        <a:rPr lang="en-US" altLang="ko-KR" sz="1100" b="0" i="1" smtClean="0">
+                                          <a:latin typeface="Cambria Math"/>
+                                        </a:rPr>
+                                        <m:t>1</m:t>
+                                      </m:r>
+                                    </m:num>
+                                    <m:den>
+                                      <m:r>
+                                        <a:rPr lang="en-US" altLang="ko-KR" sz="1100" b="0" i="1" smtClean="0">
+                                          <a:latin typeface="Cambria Math"/>
+                                        </a:rPr>
+                                        <m:t>6</m:t>
+                                      </m:r>
+                                    </m:den>
+                                  </m:f>
+                                  <m:r>
+                                    <a:rPr lang="en-US" altLang="ko-KR" sz="1100" b="0" i="1" smtClean="0">
+                                      <a:latin typeface="Cambria Math"/>
+                                    </a:rPr>
+                                    <m:t>+2</m:t>
+                                  </m:r>
+                                  <m:r>
+                                    <a:rPr lang="en-US" altLang="ko-KR" sz="1100" b="0" i="1" smtClean="0">
+                                      <a:latin typeface="Cambria Math"/>
+                                    </a:rPr>
+                                    <m:t>𝜋</m:t>
+                                  </m:r>
+                                  <m:r>
+                                    <a:rPr lang="en-US" altLang="ko-KR" sz="1100" b="0" i="1" smtClean="0">
+                                      <a:latin typeface="Cambria Math"/>
+                                    </a:rPr>
+                                    <m:t>𝑘</m:t>
+                                  </m:r>
+                                </m:e>
+                              </m:d>
+                              <m:r>
+                                <a:rPr lang="en-US" altLang="ko-KR" sz="1100" b="0" i="1" smtClean="0">
+                                  <a:latin typeface="Cambria Math"/>
+                                </a:rPr>
+                                <m:t>×0</m:t>
+                              </m:r>
+                            </m:e>
+                          </m:d>
+                        </m:e>
+                      </m:func>
+                    </m:oMath>
+                  </m:oMathPara>
+                </a14:m>
+                <a:endParaRPr lang="en-US" altLang="ko-KR" sz="1100" b="0" dirty="0"/>
+              </a:p>
+            </p:txBody>
+          </p:sp>
+        </mc:Choice>
+        <mc:Fallback xmlns="">
+          <p:sp>
+            <p:nvSpPr>
+              <p:cNvPr id="15" name="TextBox 14"/>
+              <p:cNvSpPr txBox="1">
+                <a:spLocks noRot="1" noChangeAspect="1" noMove="1" noResize="1" noEditPoints="1" noAdjustHandles="1" noChangeArrowheads="1" noChangeShapeType="1" noTextEdit="1"/>
+              </p:cNvSpPr>
+              <p:nvPr/>
+            </p:nvSpPr>
+            <p:spPr>
+              <a:xfrm>
+                <a:off x="5982604" y="2636912"/>
+                <a:ext cx="1609094" cy="472694"/>
+              </a:xfrm>
+              <a:prstGeom prst="rect">
+                <a:avLst/>
+              </a:prstGeom>
+              <a:blipFill rotWithShape="1">
+                <a:blip r:embed="rId10"/>
+                <a:stretch>
+                  <a:fillRect/>
+                </a:stretch>
+              </a:blipFill>
+            </p:spPr>
+            <p:txBody>
+              <a:bodyPr/>
+              <a:lstStyle/>
+              <a:p>
+                <a:r>
+                  <a:rPr lang="ko-KR" altLang="en-US">
+                    <a:noFill/>
+                  </a:rPr>
+                  <a:t> </a:t>
+                </a:r>
+              </a:p>
+            </p:txBody>
+          </p:sp>
+        </mc:Fallback>
+      </mc:AlternateContent>
+      <mc:AlternateContent xmlns:mc="http://schemas.openxmlformats.org/markup-compatibility/2006" xmlns:a14="http://schemas.microsoft.com/office/drawing/2010/main">
+        <mc:Choice Requires="a14">
+          <p:sp>
+            <p:nvSpPr>
+              <p:cNvPr id="16" name="TextBox 15"/>
+              <p:cNvSpPr txBox="1"/>
+              <p:nvPr/>
+            </p:nvSpPr>
+            <p:spPr>
+              <a:xfrm>
+                <a:off x="5220072" y="1412776"/>
+                <a:ext cx="1609094" cy="472694"/>
+              </a:xfrm>
+              <a:prstGeom prst="rect">
+                <a:avLst/>
+              </a:prstGeom>
+              <a:noFill/>
+            </p:spPr>
+            <p:txBody>
+              <a:bodyPr wrap="none" rtlCol="0">
+                <a:spAutoFit/>
+              </a:bodyPr>
+              <a:lstStyle/>
+              <a:p>
+                <a:pPr/>
+                <a14:m>
+                  <m:oMathPara xmlns:m="http://schemas.openxmlformats.org/officeDocument/2006/math">
+                    <m:oMathParaPr>
+                      <m:jc m:val="centerGroup"/>
+                    </m:oMathParaPr>
+                    <m:oMath xmlns:m="http://schemas.openxmlformats.org/officeDocument/2006/math">
+                      <m:func>
+                        <m:funcPr>
+                          <m:ctrlPr>
+                            <a:rPr lang="en-US" altLang="ko-KR" sz="1100" b="0" i="1" smtClean="0">
+                              <a:latin typeface="Cambria Math" panose="02040503050406030204" pitchFamily="18" charset="0"/>
+                            </a:rPr>
+                          </m:ctrlPr>
+                        </m:funcPr>
+                        <m:fName>
+                          <m:r>
+                            <m:rPr>
+                              <m:sty m:val="p"/>
+                            </m:rPr>
+                            <a:rPr lang="en-US" altLang="ko-KR" sz="1100" b="0" i="0" smtClean="0">
+                              <a:latin typeface="Cambria Math"/>
+                            </a:rPr>
+                            <m:t>exp</m:t>
+                          </m:r>
+                        </m:fName>
+                        <m:e>
+                          <m:d>
+                            <m:dPr>
+                              <m:ctrlPr>
+                                <a:rPr lang="en-US" altLang="ko-KR" sz="1100" b="0" i="1" smtClean="0">
+                                  <a:latin typeface="Cambria Math" panose="02040503050406030204" pitchFamily="18" charset="0"/>
+                                </a:rPr>
+                              </m:ctrlPr>
+                            </m:dPr>
+                            <m:e>
+                              <m:r>
+                                <a:rPr lang="en-US" altLang="ko-KR" sz="1100" b="0" i="1" smtClean="0">
+                                  <a:latin typeface="Cambria Math"/>
+                                </a:rPr>
+                                <m:t>𝑗</m:t>
+                              </m:r>
+                              <m:d>
+                                <m:dPr>
+                                  <m:ctrlPr>
+                                    <a:rPr lang="en-US" altLang="ko-KR" sz="1100" b="0" i="1" smtClean="0">
+                                      <a:latin typeface="Cambria Math" panose="02040503050406030204" pitchFamily="18" charset="0"/>
+                                    </a:rPr>
+                                  </m:ctrlPr>
+                                </m:dPr>
+                                <m:e>
+                                  <m:f>
+                                    <m:fPr>
+                                      <m:ctrlPr>
+                                        <a:rPr lang="en-US" altLang="ko-KR" sz="1100" b="0" i="1" smtClean="0">
+                                          <a:latin typeface="Cambria Math" panose="02040503050406030204" pitchFamily="18" charset="0"/>
+                                        </a:rPr>
+                                      </m:ctrlPr>
+                                    </m:fPr>
+                                    <m:num>
+                                      <m:r>
+                                        <a:rPr lang="en-US" altLang="ko-KR" sz="1100" b="0" i="1" smtClean="0">
+                                          <a:latin typeface="Cambria Math"/>
+                                        </a:rPr>
+                                        <m:t>1</m:t>
+                                      </m:r>
+                                    </m:num>
+                                    <m:den>
+                                      <m:r>
+                                        <a:rPr lang="en-US" altLang="ko-KR" sz="1100" b="0" i="1" smtClean="0">
+                                          <a:latin typeface="Cambria Math"/>
+                                        </a:rPr>
+                                        <m:t>6</m:t>
+                                      </m:r>
+                                    </m:den>
+                                  </m:f>
+                                  <m:r>
+                                    <a:rPr lang="en-US" altLang="ko-KR" sz="1100" b="0" i="1" smtClean="0">
+                                      <a:latin typeface="Cambria Math"/>
+                                    </a:rPr>
+                                    <m:t>+2</m:t>
+                                  </m:r>
+                                  <m:r>
+                                    <a:rPr lang="en-US" altLang="ko-KR" sz="1100" b="0" i="1" smtClean="0">
+                                      <a:latin typeface="Cambria Math"/>
+                                    </a:rPr>
+                                    <m:t>𝜋</m:t>
+                                  </m:r>
+                                  <m:r>
+                                    <a:rPr lang="en-US" altLang="ko-KR" sz="1100" b="0" i="1" smtClean="0">
+                                      <a:latin typeface="Cambria Math"/>
+                                    </a:rPr>
+                                    <m:t>𝑘</m:t>
+                                  </m:r>
+                                </m:e>
+                              </m:d>
+                              <m:r>
+                                <a:rPr lang="en-US" altLang="ko-KR" sz="1100" b="0" i="1" smtClean="0">
+                                  <a:latin typeface="Cambria Math"/>
+                                </a:rPr>
+                                <m:t>×1</m:t>
+                              </m:r>
+                            </m:e>
+                          </m:d>
+                        </m:e>
+                      </m:func>
+                    </m:oMath>
+                  </m:oMathPara>
+                </a14:m>
+                <a:endParaRPr lang="ko-KR" altLang="en-US" sz="1100" dirty="0"/>
+              </a:p>
+            </p:txBody>
+          </p:sp>
+        </mc:Choice>
+        <mc:Fallback xmlns="">
+          <p:sp>
+            <p:nvSpPr>
+              <p:cNvPr id="16" name="TextBox 15"/>
+              <p:cNvSpPr txBox="1">
+                <a:spLocks noRot="1" noChangeAspect="1" noMove="1" noResize="1" noEditPoints="1" noAdjustHandles="1" noChangeArrowheads="1" noChangeShapeType="1" noTextEdit="1"/>
+              </p:cNvSpPr>
+              <p:nvPr/>
+            </p:nvSpPr>
+            <p:spPr>
+              <a:xfrm>
+                <a:off x="5220072" y="1412776"/>
+                <a:ext cx="1609094" cy="472694"/>
+              </a:xfrm>
+              <a:prstGeom prst="rect">
+                <a:avLst/>
+              </a:prstGeom>
+              <a:blipFill rotWithShape="1">
+                <a:blip r:embed="rId11"/>
+                <a:stretch>
+                  <a:fillRect/>
+                </a:stretch>
+              </a:blipFill>
+            </p:spPr>
+            <p:txBody>
+              <a:bodyPr/>
+              <a:lstStyle/>
+              <a:p>
+                <a:r>
+                  <a:rPr lang="ko-KR" altLang="en-US">
+                    <a:noFill/>
+                  </a:rPr>
+                  <a:t> </a:t>
+                </a:r>
+              </a:p>
+            </p:txBody>
+          </p:sp>
+        </mc:Fallback>
+      </mc:AlternateContent>
+      <mc:AlternateContent xmlns:mc="http://schemas.openxmlformats.org/markup-compatibility/2006" xmlns:a14="http://schemas.microsoft.com/office/drawing/2010/main">
+        <mc:Choice Requires="a14">
+          <p:sp>
+            <p:nvSpPr>
+              <p:cNvPr id="17" name="TextBox 16"/>
+              <p:cNvSpPr txBox="1"/>
+              <p:nvPr/>
+            </p:nvSpPr>
+            <p:spPr>
+              <a:xfrm>
+                <a:off x="2098810" y="1340768"/>
+                <a:ext cx="1609094" cy="472694"/>
+              </a:xfrm>
+              <a:prstGeom prst="rect">
+                <a:avLst/>
+              </a:prstGeom>
+              <a:noFill/>
+            </p:spPr>
+            <p:txBody>
+              <a:bodyPr wrap="none" rtlCol="0">
+                <a:spAutoFit/>
+              </a:bodyPr>
+              <a:lstStyle/>
+              <a:p>
+                <a:pPr/>
+                <a14:m>
+                  <m:oMathPara xmlns:m="http://schemas.openxmlformats.org/officeDocument/2006/math">
+                    <m:oMathParaPr>
+                      <m:jc m:val="centerGroup"/>
+                    </m:oMathParaPr>
+                    <m:oMath xmlns:m="http://schemas.openxmlformats.org/officeDocument/2006/math">
+                      <m:func>
+                        <m:funcPr>
+                          <m:ctrlPr>
+                            <a:rPr lang="en-US" altLang="ko-KR" sz="1100" b="0" i="1" smtClean="0">
+                              <a:latin typeface="Cambria Math" panose="02040503050406030204" pitchFamily="18" charset="0"/>
+                            </a:rPr>
+                          </m:ctrlPr>
+                        </m:funcPr>
+                        <m:fName>
+                          <m:r>
+                            <m:rPr>
+                              <m:sty m:val="p"/>
+                            </m:rPr>
+                            <a:rPr lang="en-US" altLang="ko-KR" sz="1100" b="0" i="0" smtClean="0">
+                              <a:latin typeface="Cambria Math"/>
+                            </a:rPr>
+                            <m:t>exp</m:t>
+                          </m:r>
+                        </m:fName>
+                        <m:e>
+                          <m:d>
+                            <m:dPr>
+                              <m:ctrlPr>
+                                <a:rPr lang="en-US" altLang="ko-KR" sz="1100" b="0" i="1" smtClean="0">
+                                  <a:latin typeface="Cambria Math" panose="02040503050406030204" pitchFamily="18" charset="0"/>
+                                </a:rPr>
+                              </m:ctrlPr>
+                            </m:dPr>
+                            <m:e>
+                              <m:r>
+                                <a:rPr lang="en-US" altLang="ko-KR" sz="1100" b="0" i="1" smtClean="0">
+                                  <a:latin typeface="Cambria Math"/>
+                                </a:rPr>
+                                <m:t>𝑗</m:t>
+                              </m:r>
+                              <m:d>
+                                <m:dPr>
+                                  <m:ctrlPr>
+                                    <a:rPr lang="en-US" altLang="ko-KR" sz="1100" b="0" i="1" smtClean="0">
+                                      <a:latin typeface="Cambria Math" panose="02040503050406030204" pitchFamily="18" charset="0"/>
+                                    </a:rPr>
+                                  </m:ctrlPr>
+                                </m:dPr>
+                                <m:e>
+                                  <m:f>
+                                    <m:fPr>
+                                      <m:ctrlPr>
+                                        <a:rPr lang="en-US" altLang="ko-KR" sz="1100" b="0" i="1" smtClean="0">
+                                          <a:latin typeface="Cambria Math" panose="02040503050406030204" pitchFamily="18" charset="0"/>
+                                        </a:rPr>
+                                      </m:ctrlPr>
+                                    </m:fPr>
+                                    <m:num>
+                                      <m:r>
+                                        <a:rPr lang="en-US" altLang="ko-KR" sz="1100" b="0" i="1" smtClean="0">
+                                          <a:latin typeface="Cambria Math"/>
+                                        </a:rPr>
+                                        <m:t>1</m:t>
+                                      </m:r>
+                                    </m:num>
+                                    <m:den>
+                                      <m:r>
+                                        <a:rPr lang="en-US" altLang="ko-KR" sz="1100" b="0" i="1" smtClean="0">
+                                          <a:latin typeface="Cambria Math"/>
+                                        </a:rPr>
+                                        <m:t>6</m:t>
+                                      </m:r>
+                                    </m:den>
+                                  </m:f>
+                                  <m:r>
+                                    <a:rPr lang="en-US" altLang="ko-KR" sz="1100" b="0" i="1" smtClean="0">
+                                      <a:latin typeface="Cambria Math"/>
+                                    </a:rPr>
+                                    <m:t>+2</m:t>
+                                  </m:r>
+                                  <m:r>
+                                    <a:rPr lang="en-US" altLang="ko-KR" sz="1100" b="0" i="1" smtClean="0">
+                                      <a:latin typeface="Cambria Math"/>
+                                    </a:rPr>
+                                    <m:t>𝜋</m:t>
+                                  </m:r>
+                                  <m:r>
+                                    <a:rPr lang="en-US" altLang="ko-KR" sz="1100" b="0" i="1" smtClean="0">
+                                      <a:latin typeface="Cambria Math"/>
+                                    </a:rPr>
+                                    <m:t>𝑘</m:t>
+                                  </m:r>
+                                </m:e>
+                              </m:d>
+                              <m:r>
+                                <a:rPr lang="en-US" altLang="ko-KR" sz="1100" b="0" i="1" smtClean="0">
+                                  <a:latin typeface="Cambria Math"/>
+                                </a:rPr>
+                                <m:t>×2</m:t>
+                              </m:r>
+                            </m:e>
+                          </m:d>
+                        </m:e>
+                      </m:func>
+                    </m:oMath>
+                  </m:oMathPara>
+                </a14:m>
+                <a:endParaRPr lang="ko-KR" altLang="en-US" sz="1100" dirty="0"/>
+              </a:p>
+            </p:txBody>
+          </p:sp>
+        </mc:Choice>
+        <mc:Fallback xmlns="">
+          <p:sp>
+            <p:nvSpPr>
+              <p:cNvPr id="17" name="TextBox 16"/>
+              <p:cNvSpPr txBox="1">
+                <a:spLocks noRot="1" noChangeAspect="1" noMove="1" noResize="1" noEditPoints="1" noAdjustHandles="1" noChangeArrowheads="1" noChangeShapeType="1" noTextEdit="1"/>
+              </p:cNvSpPr>
+              <p:nvPr/>
+            </p:nvSpPr>
+            <p:spPr>
+              <a:xfrm>
+                <a:off x="2098810" y="1340768"/>
+                <a:ext cx="1609094" cy="472694"/>
+              </a:xfrm>
+              <a:prstGeom prst="rect">
+                <a:avLst/>
+              </a:prstGeom>
+              <a:blipFill rotWithShape="1">
+                <a:blip r:embed="rId12"/>
+                <a:stretch>
+                  <a:fillRect/>
+                </a:stretch>
+              </a:blipFill>
+            </p:spPr>
+            <p:txBody>
+              <a:bodyPr/>
+              <a:lstStyle/>
+              <a:p>
+                <a:r>
+                  <a:rPr lang="ko-KR" altLang="en-US">
+                    <a:noFill/>
+                  </a:rPr>
+                  <a:t> </a:t>
+                </a:r>
+              </a:p>
+            </p:txBody>
+          </p:sp>
+        </mc:Fallback>
+      </mc:AlternateContent>
+      <mc:AlternateContent xmlns:mc="http://schemas.openxmlformats.org/markup-compatibility/2006" xmlns:a14="http://schemas.microsoft.com/office/drawing/2010/main">
+        <mc:Choice Requires="a14">
+          <p:sp>
+            <p:nvSpPr>
+              <p:cNvPr id="18" name="TextBox 17"/>
+              <p:cNvSpPr txBox="1"/>
+              <p:nvPr/>
+            </p:nvSpPr>
+            <p:spPr>
+              <a:xfrm>
+                <a:off x="1187624" y="2709716"/>
+                <a:ext cx="1609094" cy="472694"/>
+              </a:xfrm>
+              <a:prstGeom prst="rect">
+                <a:avLst/>
+              </a:prstGeom>
+              <a:noFill/>
+            </p:spPr>
+            <p:txBody>
+              <a:bodyPr wrap="none" rtlCol="0">
+                <a:spAutoFit/>
+              </a:bodyPr>
+              <a:lstStyle/>
+              <a:p>
+                <a:pPr/>
+                <a14:m>
+                  <m:oMathPara xmlns:m="http://schemas.openxmlformats.org/officeDocument/2006/math">
+                    <m:oMathParaPr>
+                      <m:jc m:val="centerGroup"/>
+                    </m:oMathParaPr>
+                    <m:oMath xmlns:m="http://schemas.openxmlformats.org/officeDocument/2006/math">
+                      <m:func>
+                        <m:funcPr>
+                          <m:ctrlPr>
+                            <a:rPr lang="en-US" altLang="ko-KR" sz="1100" b="0" i="1" smtClean="0">
+                              <a:latin typeface="Cambria Math" panose="02040503050406030204" pitchFamily="18" charset="0"/>
+                            </a:rPr>
+                          </m:ctrlPr>
+                        </m:funcPr>
+                        <m:fName>
+                          <m:r>
+                            <m:rPr>
+                              <m:sty m:val="p"/>
+                            </m:rPr>
+                            <a:rPr lang="en-US" altLang="ko-KR" sz="1100" b="0" i="0" smtClean="0">
+                              <a:latin typeface="Cambria Math"/>
+                            </a:rPr>
+                            <m:t>exp</m:t>
+                          </m:r>
+                        </m:fName>
+                        <m:e>
+                          <m:d>
+                            <m:dPr>
+                              <m:ctrlPr>
+                                <a:rPr lang="en-US" altLang="ko-KR" sz="1100" b="0" i="1" smtClean="0">
+                                  <a:latin typeface="Cambria Math" panose="02040503050406030204" pitchFamily="18" charset="0"/>
+                                </a:rPr>
+                              </m:ctrlPr>
+                            </m:dPr>
+                            <m:e>
+                              <m:r>
+                                <a:rPr lang="en-US" altLang="ko-KR" sz="1100" b="0" i="1" smtClean="0">
+                                  <a:latin typeface="Cambria Math"/>
+                                </a:rPr>
+                                <m:t>𝑗</m:t>
+                              </m:r>
+                              <m:d>
+                                <m:dPr>
+                                  <m:ctrlPr>
+                                    <a:rPr lang="en-US" altLang="ko-KR" sz="1100" b="0" i="1" smtClean="0">
+                                      <a:latin typeface="Cambria Math" panose="02040503050406030204" pitchFamily="18" charset="0"/>
+                                    </a:rPr>
+                                  </m:ctrlPr>
+                                </m:dPr>
+                                <m:e>
+                                  <m:f>
+                                    <m:fPr>
+                                      <m:ctrlPr>
+                                        <a:rPr lang="en-US" altLang="ko-KR" sz="1100" b="0" i="1" smtClean="0">
+                                          <a:latin typeface="Cambria Math" panose="02040503050406030204" pitchFamily="18" charset="0"/>
+                                        </a:rPr>
+                                      </m:ctrlPr>
+                                    </m:fPr>
+                                    <m:num>
+                                      <m:r>
+                                        <a:rPr lang="en-US" altLang="ko-KR" sz="1100" b="0" i="1" smtClean="0">
+                                          <a:latin typeface="Cambria Math"/>
+                                        </a:rPr>
+                                        <m:t>1</m:t>
+                                      </m:r>
+                                    </m:num>
+                                    <m:den>
+                                      <m:r>
+                                        <a:rPr lang="en-US" altLang="ko-KR" sz="1100" b="0" i="1" smtClean="0">
+                                          <a:latin typeface="Cambria Math"/>
+                                        </a:rPr>
+                                        <m:t>6</m:t>
+                                      </m:r>
+                                    </m:den>
+                                  </m:f>
+                                  <m:r>
+                                    <a:rPr lang="en-US" altLang="ko-KR" sz="1100" b="0" i="1" smtClean="0">
+                                      <a:latin typeface="Cambria Math"/>
+                                    </a:rPr>
+                                    <m:t>+2</m:t>
+                                  </m:r>
+                                  <m:r>
+                                    <a:rPr lang="en-US" altLang="ko-KR" sz="1100" b="0" i="1" smtClean="0">
+                                      <a:latin typeface="Cambria Math"/>
+                                    </a:rPr>
+                                    <m:t>𝜋</m:t>
+                                  </m:r>
+                                  <m:r>
+                                    <a:rPr lang="en-US" altLang="ko-KR" sz="1100" b="0" i="1" smtClean="0">
+                                      <a:latin typeface="Cambria Math"/>
+                                    </a:rPr>
+                                    <m:t>𝑘</m:t>
+                                  </m:r>
+                                </m:e>
+                              </m:d>
+                              <m:r>
+                                <a:rPr lang="en-US" altLang="ko-KR" sz="1100" b="0" i="1" smtClean="0">
+                                  <a:latin typeface="Cambria Math"/>
+                                </a:rPr>
+                                <m:t>×3</m:t>
+                              </m:r>
+                            </m:e>
+                          </m:d>
+                        </m:e>
+                      </m:func>
+                    </m:oMath>
+                  </m:oMathPara>
+                </a14:m>
+                <a:endParaRPr lang="ko-KR" altLang="en-US" sz="1100" dirty="0"/>
+              </a:p>
+            </p:txBody>
+          </p:sp>
+        </mc:Choice>
+        <mc:Fallback xmlns="">
+          <p:sp>
+            <p:nvSpPr>
+              <p:cNvPr id="18" name="TextBox 17"/>
+              <p:cNvSpPr txBox="1">
+                <a:spLocks noRot="1" noChangeAspect="1" noMove="1" noResize="1" noEditPoints="1" noAdjustHandles="1" noChangeArrowheads="1" noChangeShapeType="1" noTextEdit="1"/>
+              </p:cNvSpPr>
+              <p:nvPr/>
+            </p:nvSpPr>
+            <p:spPr>
+              <a:xfrm>
+                <a:off x="1187624" y="2709716"/>
+                <a:ext cx="1609094" cy="472694"/>
+              </a:xfrm>
+              <a:prstGeom prst="rect">
+                <a:avLst/>
+              </a:prstGeom>
+              <a:blipFill rotWithShape="1">
+                <a:blip r:embed="rId13"/>
+                <a:stretch>
+                  <a:fillRect/>
+                </a:stretch>
+              </a:blipFill>
+            </p:spPr>
+            <p:txBody>
+              <a:bodyPr/>
+              <a:lstStyle/>
+              <a:p>
+                <a:r>
+                  <a:rPr lang="ko-KR" altLang="en-US">
+                    <a:noFill/>
+                  </a:rPr>
+                  <a:t> </a:t>
+                </a:r>
+              </a:p>
+            </p:txBody>
+          </p:sp>
+        </mc:Fallback>
+      </mc:AlternateContent>
+      <mc:AlternateContent xmlns:mc="http://schemas.openxmlformats.org/markup-compatibility/2006" xmlns:a14="http://schemas.microsoft.com/office/drawing/2010/main">
+        <mc:Choice Requires="a14">
+          <p:sp>
+            <p:nvSpPr>
+              <p:cNvPr id="13" name="TextBox 12"/>
+              <p:cNvSpPr txBox="1"/>
+              <p:nvPr/>
+            </p:nvSpPr>
+            <p:spPr>
+              <a:xfrm>
+                <a:off x="2051274" y="4797152"/>
+                <a:ext cx="1609094" cy="472694"/>
+              </a:xfrm>
+              <a:prstGeom prst="rect">
+                <a:avLst/>
+              </a:prstGeom>
+              <a:noFill/>
+            </p:spPr>
+            <p:txBody>
+              <a:bodyPr wrap="none" rtlCol="0">
+                <a:spAutoFit/>
+              </a:bodyPr>
+              <a:lstStyle/>
+              <a:p>
+                <a:pPr/>
+                <a14:m>
+                  <m:oMathPara xmlns:m="http://schemas.openxmlformats.org/officeDocument/2006/math">
+                    <m:oMathParaPr>
+                      <m:jc m:val="centerGroup"/>
+                    </m:oMathParaPr>
+                    <m:oMath xmlns:m="http://schemas.openxmlformats.org/officeDocument/2006/math">
+                      <m:func>
+                        <m:funcPr>
+                          <m:ctrlPr>
+                            <a:rPr lang="en-US" altLang="ko-KR" sz="1100" b="0" i="1" smtClean="0">
+                              <a:latin typeface="Cambria Math" panose="02040503050406030204" pitchFamily="18" charset="0"/>
+                            </a:rPr>
+                          </m:ctrlPr>
+                        </m:funcPr>
+                        <m:fName>
+                          <m:r>
+                            <m:rPr>
+                              <m:sty m:val="p"/>
+                            </m:rPr>
+                            <a:rPr lang="en-US" altLang="ko-KR" sz="1100" b="0" i="0" smtClean="0">
+                              <a:latin typeface="Cambria Math"/>
+                            </a:rPr>
+                            <m:t>exp</m:t>
+                          </m:r>
+                        </m:fName>
+                        <m:e>
+                          <m:d>
+                            <m:dPr>
+                              <m:ctrlPr>
+                                <a:rPr lang="en-US" altLang="ko-KR" sz="1100" b="0" i="1" smtClean="0">
+                                  <a:latin typeface="Cambria Math" panose="02040503050406030204" pitchFamily="18" charset="0"/>
+                                </a:rPr>
+                              </m:ctrlPr>
+                            </m:dPr>
+                            <m:e>
+                              <m:r>
+                                <a:rPr lang="en-US" altLang="ko-KR" sz="1100" b="0" i="1" smtClean="0">
+                                  <a:latin typeface="Cambria Math"/>
+                                </a:rPr>
+                                <m:t>𝑗</m:t>
+                              </m:r>
+                              <m:d>
+                                <m:dPr>
+                                  <m:ctrlPr>
+                                    <a:rPr lang="en-US" altLang="ko-KR" sz="1100" b="0" i="1" smtClean="0">
+                                      <a:latin typeface="Cambria Math" panose="02040503050406030204" pitchFamily="18" charset="0"/>
+                                    </a:rPr>
+                                  </m:ctrlPr>
+                                </m:dPr>
+                                <m:e>
+                                  <m:f>
+                                    <m:fPr>
+                                      <m:ctrlPr>
+                                        <a:rPr lang="en-US" altLang="ko-KR" sz="1100" b="0" i="1" smtClean="0">
+                                          <a:latin typeface="Cambria Math" panose="02040503050406030204" pitchFamily="18" charset="0"/>
+                                        </a:rPr>
+                                      </m:ctrlPr>
+                                    </m:fPr>
+                                    <m:num>
+                                      <m:r>
+                                        <a:rPr lang="en-US" altLang="ko-KR" sz="1100" b="0" i="1" smtClean="0">
+                                          <a:latin typeface="Cambria Math"/>
+                                        </a:rPr>
+                                        <m:t>1</m:t>
+                                      </m:r>
+                                    </m:num>
+                                    <m:den>
+                                      <m:r>
+                                        <a:rPr lang="en-US" altLang="ko-KR" sz="1100" b="0" i="1" smtClean="0">
+                                          <a:latin typeface="Cambria Math"/>
+                                        </a:rPr>
+                                        <m:t>6</m:t>
+                                      </m:r>
+                                    </m:den>
+                                  </m:f>
+                                  <m:r>
+                                    <a:rPr lang="en-US" altLang="ko-KR" sz="1100" b="0" i="1" smtClean="0">
+                                      <a:latin typeface="Cambria Math"/>
+                                    </a:rPr>
+                                    <m:t>+2</m:t>
+                                  </m:r>
+                                  <m:r>
+                                    <a:rPr lang="en-US" altLang="ko-KR" sz="1100" b="0" i="1" smtClean="0">
+                                      <a:latin typeface="Cambria Math"/>
+                                    </a:rPr>
+                                    <m:t>𝜋</m:t>
+                                  </m:r>
+                                  <m:r>
+                                    <a:rPr lang="en-US" altLang="ko-KR" sz="1100" b="0" i="1" smtClean="0">
+                                      <a:latin typeface="Cambria Math"/>
+                                    </a:rPr>
+                                    <m:t>𝑘</m:t>
+                                  </m:r>
+                                </m:e>
+                              </m:d>
+                              <m:r>
+                                <a:rPr lang="en-US" altLang="ko-KR" sz="1100" b="0" i="1" smtClean="0">
+                                  <a:latin typeface="Cambria Math"/>
+                                </a:rPr>
+                                <m:t>×4</m:t>
+                              </m:r>
+                            </m:e>
+                          </m:d>
+                        </m:e>
+                      </m:func>
+                    </m:oMath>
+                  </m:oMathPara>
+                </a14:m>
+                <a:endParaRPr lang="ko-KR" altLang="en-US" sz="1100" dirty="0"/>
+              </a:p>
+            </p:txBody>
+          </p:sp>
+        </mc:Choice>
+        <mc:Fallback xmlns="">
+          <p:sp>
+            <p:nvSpPr>
+              <p:cNvPr id="13" name="TextBox 12"/>
+              <p:cNvSpPr txBox="1">
+                <a:spLocks noRot="1" noChangeAspect="1" noMove="1" noResize="1" noEditPoints="1" noAdjustHandles="1" noChangeArrowheads="1" noChangeShapeType="1" noTextEdit="1"/>
+              </p:cNvSpPr>
+              <p:nvPr/>
+            </p:nvSpPr>
+            <p:spPr>
+              <a:xfrm>
+                <a:off x="2051274" y="4797152"/>
+                <a:ext cx="1609094" cy="472694"/>
+              </a:xfrm>
+              <a:prstGeom prst="rect">
+                <a:avLst/>
+              </a:prstGeom>
+              <a:blipFill rotWithShape="1">
+                <a:blip r:embed="rId14"/>
+                <a:stretch>
+                  <a:fillRect/>
+                </a:stretch>
+              </a:blipFill>
+            </p:spPr>
+            <p:txBody>
+              <a:bodyPr/>
+              <a:lstStyle/>
+              <a:p>
+                <a:r>
+                  <a:rPr lang="ko-KR" altLang="en-US">
+                    <a:noFill/>
+                  </a:rPr>
+                  <a:t> </a:t>
+                </a:r>
+              </a:p>
+            </p:txBody>
+          </p:sp>
+        </mc:Fallback>
+      </mc:AlternateContent>
+      <mc:AlternateContent xmlns:mc="http://schemas.openxmlformats.org/markup-compatibility/2006" xmlns:a14="http://schemas.microsoft.com/office/drawing/2010/main">
+        <mc:Choice Requires="a14">
+          <p:sp>
+            <p:nvSpPr>
+              <p:cNvPr id="14" name="TextBox 13"/>
+              <p:cNvSpPr txBox="1"/>
+              <p:nvPr/>
+            </p:nvSpPr>
+            <p:spPr>
+              <a:xfrm>
+                <a:off x="5236358" y="4797152"/>
+                <a:ext cx="1609094" cy="472694"/>
+              </a:xfrm>
+              <a:prstGeom prst="rect">
+                <a:avLst/>
+              </a:prstGeom>
+              <a:noFill/>
+            </p:spPr>
+            <p:txBody>
+              <a:bodyPr wrap="none" rtlCol="0">
+                <a:spAutoFit/>
+              </a:bodyPr>
+              <a:lstStyle/>
+              <a:p>
+                <a:pPr/>
+                <a14:m>
+                  <m:oMathPara xmlns:m="http://schemas.openxmlformats.org/officeDocument/2006/math">
+                    <m:oMathParaPr>
+                      <m:jc m:val="centerGroup"/>
+                    </m:oMathParaPr>
+                    <m:oMath xmlns:m="http://schemas.openxmlformats.org/officeDocument/2006/math">
+                      <m:func>
+                        <m:funcPr>
+                          <m:ctrlPr>
+                            <a:rPr lang="en-US" altLang="ko-KR" sz="1100" b="0" i="1" smtClean="0">
+                              <a:latin typeface="Cambria Math" panose="02040503050406030204" pitchFamily="18" charset="0"/>
+                            </a:rPr>
+                          </m:ctrlPr>
+                        </m:funcPr>
+                        <m:fName>
+                          <m:r>
+                            <m:rPr>
+                              <m:sty m:val="p"/>
+                            </m:rPr>
+                            <a:rPr lang="en-US" altLang="ko-KR" sz="1100" b="0" i="0" smtClean="0">
+                              <a:latin typeface="Cambria Math"/>
+                            </a:rPr>
+                            <m:t>exp</m:t>
+                          </m:r>
+                        </m:fName>
+                        <m:e>
+                          <m:d>
+                            <m:dPr>
+                              <m:ctrlPr>
+                                <a:rPr lang="en-US" altLang="ko-KR" sz="1100" b="0" i="1" smtClean="0">
+                                  <a:latin typeface="Cambria Math" panose="02040503050406030204" pitchFamily="18" charset="0"/>
+                                </a:rPr>
+                              </m:ctrlPr>
+                            </m:dPr>
+                            <m:e>
+                              <m:r>
+                                <a:rPr lang="en-US" altLang="ko-KR" sz="1100" b="0" i="1" smtClean="0">
+                                  <a:latin typeface="Cambria Math"/>
+                                </a:rPr>
+                                <m:t>𝑗</m:t>
+                              </m:r>
+                              <m:d>
+                                <m:dPr>
+                                  <m:ctrlPr>
+                                    <a:rPr lang="en-US" altLang="ko-KR" sz="1100" b="0" i="1" smtClean="0">
+                                      <a:latin typeface="Cambria Math" panose="02040503050406030204" pitchFamily="18" charset="0"/>
+                                    </a:rPr>
+                                  </m:ctrlPr>
+                                </m:dPr>
+                                <m:e>
+                                  <m:f>
+                                    <m:fPr>
+                                      <m:ctrlPr>
+                                        <a:rPr lang="en-US" altLang="ko-KR" sz="1100" b="0" i="1" smtClean="0">
+                                          <a:latin typeface="Cambria Math" panose="02040503050406030204" pitchFamily="18" charset="0"/>
+                                        </a:rPr>
+                                      </m:ctrlPr>
+                                    </m:fPr>
+                                    <m:num>
+                                      <m:r>
+                                        <a:rPr lang="en-US" altLang="ko-KR" sz="1100" b="0" i="1" smtClean="0">
+                                          <a:latin typeface="Cambria Math"/>
+                                        </a:rPr>
+                                        <m:t>1</m:t>
+                                      </m:r>
+                                    </m:num>
+                                    <m:den>
+                                      <m:r>
+                                        <a:rPr lang="en-US" altLang="ko-KR" sz="1100" b="0" i="1" smtClean="0">
+                                          <a:latin typeface="Cambria Math"/>
+                                        </a:rPr>
+                                        <m:t>6</m:t>
+                                      </m:r>
+                                    </m:den>
+                                  </m:f>
+                                  <m:r>
+                                    <a:rPr lang="en-US" altLang="ko-KR" sz="1100" b="0" i="1" smtClean="0">
+                                      <a:latin typeface="Cambria Math"/>
+                                    </a:rPr>
+                                    <m:t>+2</m:t>
+                                  </m:r>
+                                  <m:r>
+                                    <a:rPr lang="en-US" altLang="ko-KR" sz="1100" b="0" i="1" smtClean="0">
+                                      <a:latin typeface="Cambria Math"/>
+                                    </a:rPr>
+                                    <m:t>𝜋</m:t>
+                                  </m:r>
+                                  <m:r>
+                                    <a:rPr lang="en-US" altLang="ko-KR" sz="1100" b="0" i="1" smtClean="0">
+                                      <a:latin typeface="Cambria Math"/>
+                                    </a:rPr>
+                                    <m:t>𝑘</m:t>
+                                  </m:r>
+                                </m:e>
+                              </m:d>
+                              <m:r>
+                                <a:rPr lang="en-US" altLang="ko-KR" sz="1100" b="0" i="1" smtClean="0">
+                                  <a:latin typeface="Cambria Math"/>
+                                </a:rPr>
+                                <m:t>×5</m:t>
+                              </m:r>
+                            </m:e>
+                          </m:d>
+                        </m:e>
+                      </m:func>
+                    </m:oMath>
+                  </m:oMathPara>
+                </a14:m>
+                <a:endParaRPr lang="ko-KR" altLang="en-US" sz="1100" dirty="0"/>
+              </a:p>
+            </p:txBody>
+          </p:sp>
+        </mc:Choice>
+        <mc:Fallback xmlns="">
+          <p:sp>
+            <p:nvSpPr>
+              <p:cNvPr id="14" name="TextBox 13"/>
+              <p:cNvSpPr txBox="1">
+                <a:spLocks noRot="1" noChangeAspect="1" noMove="1" noResize="1" noEditPoints="1" noAdjustHandles="1" noChangeArrowheads="1" noChangeShapeType="1" noTextEdit="1"/>
+              </p:cNvSpPr>
+              <p:nvPr/>
+            </p:nvSpPr>
+            <p:spPr>
+              <a:xfrm>
+                <a:off x="5236358" y="4797152"/>
+                <a:ext cx="1609094" cy="472694"/>
+              </a:xfrm>
+              <a:prstGeom prst="rect">
+                <a:avLst/>
+              </a:prstGeom>
+              <a:blipFill rotWithShape="1">
+                <a:blip r:embed="rId15"/>
+                <a:stretch>
+                  <a:fillRect/>
+                </a:stretch>
+              </a:blipFill>
+            </p:spPr>
+            <p:txBody>
+              <a:bodyPr/>
+              <a:lstStyle/>
+              <a:p>
+                <a:r>
+                  <a:rPr lang="ko-KR" altLang="en-US">
+                    <a:noFill/>
+                  </a:rPr>
+                  <a:t> </a:t>
+                </a:r>
+              </a:p>
+            </p:txBody>
+          </p:sp>
+        </mc:Fallback>
+      </mc:AlternateContent>
+      <p:sp>
+        <p:nvSpPr>
+          <p:cNvPr id="2" name="TextBox 1">
+            <a:extLst>
+              <a:ext uri="{FF2B5EF4-FFF2-40B4-BE49-F238E27FC236}">
+                <a16:creationId xmlns:a16="http://schemas.microsoft.com/office/drawing/2014/main" id="{FA93AC44-FDD6-2E78-7176-C513A9E3BE0A}"/>
+              </a:ext>
+            </a:extLst>
+          </p:cNvPr>
+          <p:cNvSpPr txBox="1"/>
+          <p:nvPr/>
+        </p:nvSpPr>
+        <p:spPr>
+          <a:xfrm>
+            <a:off x="4427984" y="611396"/>
+            <a:ext cx="1212448" cy="276999"/>
+          </a:xfrm>
+          <a:prstGeom prst="rect">
+            <a:avLst/>
+          </a:prstGeom>
+          <a:solidFill>
+            <a:schemeClr val="bg1"/>
+          </a:solidFill>
+        </p:spPr>
+        <p:txBody>
+          <a:bodyPr wrap="none" rtlCol="0">
+            <a:spAutoFit/>
+          </a:bodyPr>
+          <a:lstStyle/>
+          <a:p>
+            <a:r>
+              <a:rPr lang="en-US" sz="1200" dirty="0"/>
+              <a:t>Imaginary Axis</a:t>
+            </a:r>
+          </a:p>
+        </p:txBody>
+      </p:sp>
+      <p:sp>
+        <p:nvSpPr>
+          <p:cNvPr id="3" name="TextBox 2">
+            <a:extLst>
+              <a:ext uri="{FF2B5EF4-FFF2-40B4-BE49-F238E27FC236}">
+                <a16:creationId xmlns:a16="http://schemas.microsoft.com/office/drawing/2014/main" id="{B27F842D-11E3-9719-77B1-1C9A3A2A5EF0}"/>
+              </a:ext>
+            </a:extLst>
+          </p:cNvPr>
+          <p:cNvSpPr txBox="1"/>
+          <p:nvPr/>
+        </p:nvSpPr>
+        <p:spPr>
+          <a:xfrm>
+            <a:off x="6499941" y="3429000"/>
+            <a:ext cx="808363" cy="276999"/>
+          </a:xfrm>
+          <a:prstGeom prst="rect">
+            <a:avLst/>
+          </a:prstGeom>
+          <a:solidFill>
+            <a:schemeClr val="bg1"/>
+          </a:solidFill>
+        </p:spPr>
+        <p:txBody>
+          <a:bodyPr wrap="none" rtlCol="0">
+            <a:spAutoFit/>
+          </a:bodyPr>
+          <a:lstStyle/>
+          <a:p>
+            <a:r>
+              <a:rPr lang="en-US" sz="1200" dirty="0"/>
+              <a:t>Real Axis</a:t>
+            </a:r>
+          </a:p>
+        </p:txBody>
+      </p:sp>
+      <p:sp>
+        <p:nvSpPr>
+          <p:cNvPr id="6" name="Rectangle 5">
+            <a:extLst>
+              <a:ext uri="{FF2B5EF4-FFF2-40B4-BE49-F238E27FC236}">
+                <a16:creationId xmlns:a16="http://schemas.microsoft.com/office/drawing/2014/main" id="{70178561-C7EA-06F7-D960-AA369E4E7AEB}"/>
+              </a:ext>
+            </a:extLst>
+          </p:cNvPr>
+          <p:cNvSpPr/>
+          <p:nvPr/>
+        </p:nvSpPr>
+        <p:spPr>
+          <a:xfrm>
+            <a:off x="6825251" y="3076228"/>
+            <a:ext cx="521153" cy="201489"/>
+          </a:xfrm>
+          <a:prstGeom prst="rect">
+            <a:avLst/>
+          </a:prstGeom>
+          <a:solidFill>
+            <a:schemeClr val="bg1"/>
+          </a:solidFill>
+          <a:ln>
+            <a:noFill/>
+          </a:ln>
+        </p:spPr>
+        <p:style>
+          <a:lnRef idx="2">
+            <a:schemeClr val="accent1">
+              <a:shade val="50000"/>
+            </a:schemeClr>
+          </a:lnRef>
+          <a:fillRef idx="1">
+            <a:schemeClr val="accent1"/>
+          </a:fillRef>
+          <a:effectRef idx="0">
+            <a:schemeClr val="accent1"/>
+          </a:effectRef>
+          <a:fontRef idx="minor">
+            <a:schemeClr val="lt1"/>
+          </a:fontRef>
+        </p:style>
+        <p:txBody>
+          <a:bodyPr rtlCol="0" anchor="ctr"/>
+          <a:lstStyle/>
+          <a:p>
+            <a:pPr algn="ctr"/>
+            <a:endParaRPr lang="en-US"/>
+          </a:p>
+        </p:txBody>
+      </p:sp>
+      <mc:AlternateContent xmlns:mc="http://schemas.openxmlformats.org/markup-compatibility/2006">
+        <mc:Choice xmlns:a14="http://schemas.microsoft.com/office/drawing/2010/main" Requires="a14">
+          <p:sp>
+            <p:nvSpPr>
+              <p:cNvPr id="7" name="TextBox 6">
+                <a:extLst>
+                  <a:ext uri="{FF2B5EF4-FFF2-40B4-BE49-F238E27FC236}">
+                    <a16:creationId xmlns:a16="http://schemas.microsoft.com/office/drawing/2014/main" id="{F5F54645-863B-E231-0A2A-5A6436644941}"/>
+                  </a:ext>
+                </a:extLst>
+              </p:cNvPr>
+              <p:cNvSpPr txBox="1"/>
+              <p:nvPr/>
+            </p:nvSpPr>
+            <p:spPr>
+              <a:xfrm>
+                <a:off x="6431346" y="4062705"/>
+                <a:ext cx="874610" cy="276999"/>
+              </a:xfrm>
+              <a:prstGeom prst="rect">
+                <a:avLst/>
+              </a:prstGeom>
+              <a:solidFill>
+                <a:schemeClr val="bg1"/>
+              </a:solidFill>
+            </p:spPr>
+            <p:txBody>
+              <a:bodyPr wrap="none" rtlCol="0">
+                <a:spAutoFit/>
+              </a:bodyPr>
+              <a:lstStyle/>
+              <a:p>
+                <a:pPr algn="ctr"/>
+                <a14:m>
+                  <m:oMath xmlns:m="http://schemas.openxmlformats.org/officeDocument/2006/math">
+                    <m:r>
+                      <a:rPr lang="en-US" sz="1200" i="1" dirty="0" smtClean="0">
+                        <a:latin typeface="Cambria Math" panose="02040503050406030204" pitchFamily="18" charset="0"/>
+                      </a:rPr>
+                      <m:t>𝑘</m:t>
+                    </m:r>
+                  </m:oMath>
+                </a14:m>
+                <a:r>
+                  <a:rPr lang="en-US" sz="1200" dirty="0"/>
+                  <a:t>: integer</a:t>
+                </a:r>
+              </a:p>
+            </p:txBody>
+          </p:sp>
+        </mc:Choice>
+        <mc:Fallback>
+          <p:sp>
+            <p:nvSpPr>
+              <p:cNvPr id="7" name="TextBox 6">
+                <a:extLst>
+                  <a:ext uri="{FF2B5EF4-FFF2-40B4-BE49-F238E27FC236}">
+                    <a16:creationId xmlns:a16="http://schemas.microsoft.com/office/drawing/2014/main" id="{F5F54645-863B-E231-0A2A-5A6436644941}"/>
+                  </a:ext>
+                </a:extLst>
+              </p:cNvPr>
+              <p:cNvSpPr txBox="1">
+                <a:spLocks noRot="1" noChangeAspect="1" noMove="1" noResize="1" noEditPoints="1" noAdjustHandles="1" noChangeArrowheads="1" noChangeShapeType="1" noTextEdit="1"/>
+              </p:cNvSpPr>
+              <p:nvPr/>
+            </p:nvSpPr>
+            <p:spPr>
+              <a:xfrm>
+                <a:off x="6431346" y="4062705"/>
+                <a:ext cx="874610" cy="276999"/>
+              </a:xfrm>
+              <a:prstGeom prst="rect">
+                <a:avLst/>
+              </a:prstGeom>
+              <a:blipFill>
+                <a:blip r:embed="rId16"/>
+                <a:stretch>
+                  <a:fillRect t="-2174" b="-13043"/>
+                </a:stretch>
+              </a:blipFill>
+            </p:spPr>
+            <p:txBody>
+              <a:bodyPr/>
+              <a:lstStyle/>
+              <a:p>
+                <a:r>
+                  <a:rPr lang="en-US">
+                    <a:noFill/>
+                  </a:rPr>
+                  <a:t> </a:t>
+                </a:r>
+              </a:p>
+            </p:txBody>
+          </p:sp>
+        </mc:Fallback>
+      </mc:AlternateContent>
+    </p:spTree>
+    <p:extLst>
+      <p:ext uri="{BB962C8B-B14F-4D97-AF65-F5344CB8AC3E}">
         <p14:creationId xmlns:p14="http://schemas.microsoft.com/office/powerpoint/2010/main" val="1480599806"/>
       </p:ext>
     </p:extLst>
@@ -5611,7 +8486,7 @@
 </p:sld>
 </file>
 
-<file path=ppt/slides/slide3.xml><?xml version="1.0" encoding="utf-8"?>
+<file path=ppt/slides/slide5.xml><?xml version="1.0" encoding="utf-8"?>
 <p:sld xmlns:a="http://schemas.openxmlformats.org/drawingml/2006/main" xmlns:r="http://schemas.openxmlformats.org/officeDocument/2006/relationships" xmlns:p="http://schemas.openxmlformats.org/presentationml/2006/main">
   <p:cSld>
     <p:spTree>
@@ -5696,6 +8571,141 @@
     <p:extLst>
       <p:ext uri="{BB962C8B-B14F-4D97-AF65-F5344CB8AC3E}">
         <p14:creationId xmlns:p14="http://schemas.microsoft.com/office/powerpoint/2010/main" val="3340739510"/>
+      </p:ext>
+    </p:extLst>
+  </p:cSld>
+  <p:clrMapOvr>
+    <a:masterClrMapping/>
+  </p:clrMapOvr>
+</p:sld>
+</file>
+
+<file path=ppt/slides/slide6.xml><?xml version="1.0" encoding="utf-8"?>
+<p:sld xmlns:a="http://schemas.openxmlformats.org/drawingml/2006/main" xmlns:r="http://schemas.openxmlformats.org/officeDocument/2006/relationships" xmlns:p="http://schemas.openxmlformats.org/presentationml/2006/main">
+  <p:cSld>
+    <p:spTree>
+      <p:nvGrpSpPr>
+        <p:cNvPr id="1" name=""/>
+        <p:cNvGrpSpPr/>
+        <p:nvPr/>
+      </p:nvGrpSpPr>
+      <p:grpSpPr>
+        <a:xfrm>
+          <a:off x="0" y="0"/>
+          <a:ext cx="0" cy="0"/>
+          <a:chOff x="0" y="0"/>
+          <a:chExt cx="0" cy="0"/>
+        </a:xfrm>
+      </p:grpSpPr>
+      <p:pic>
+        <p:nvPicPr>
+          <p:cNvPr id="1026" name="Picture 2"/>
+          <p:cNvPicPr>
+            <a:picLocks noChangeAspect="1" noChangeArrowheads="1"/>
+          </p:cNvPicPr>
+          <p:nvPr/>
+        </p:nvPicPr>
+        <p:blipFill>
+          <a:blip r:embed="rId2">
+            <a:extLst>
+              <a:ext uri="{28A0092B-C50C-407E-A947-70E740481C1C}">
+                <a14:useLocalDpi xmlns:a14="http://schemas.microsoft.com/office/drawing/2010/main" val="0"/>
+              </a:ext>
+            </a:extLst>
+          </a:blip>
+          <a:srcRect/>
+          <a:stretch>
+            <a:fillRect/>
+          </a:stretch>
+        </p:blipFill>
+        <p:spPr bwMode="auto">
+          <a:xfrm>
+            <a:off x="766763" y="2624138"/>
+            <a:ext cx="7610475" cy="1609725"/>
+          </a:xfrm>
+          <a:prstGeom prst="rect">
+            <a:avLst/>
+          </a:prstGeom>
+          <a:noFill/>
+          <a:ln>
+            <a:noFill/>
+          </a:ln>
+          <a:effectLst/>
+          <a:extLst>
+            <a:ext uri="{909E8E84-426E-40DD-AFC4-6F175D3DCCD1}">
+              <a14:hiddenFill xmlns:a14="http://schemas.microsoft.com/office/drawing/2010/main">
+                <a:solidFill>
+                  <a:schemeClr val="accent1"/>
+                </a:solidFill>
+              </a14:hiddenFill>
+            </a:ext>
+            <a:ext uri="{91240B29-F687-4F45-9708-019B960494DF}">
+              <a14:hiddenLine xmlns:a14="http://schemas.microsoft.com/office/drawing/2010/main" w="9525">
+                <a:solidFill>
+                  <a:schemeClr val="tx1"/>
+                </a:solidFill>
+                <a:miter lim="800000"/>
+                <a:headEnd/>
+                <a:tailEnd/>
+              </a14:hiddenLine>
+            </a:ext>
+            <a:ext uri="{AF507438-7753-43E0-B8FC-AC1667EBCBE1}">
+              <a14:hiddenEffects xmlns:a14="http://schemas.microsoft.com/office/drawing/2010/main">
+                <a:effectLst>
+                  <a:outerShdw dist="35921" dir="2700000" algn="ctr" rotWithShape="0">
+                    <a:schemeClr val="bg2"/>
+                  </a:outerShdw>
+                </a:effectLst>
+              </a14:hiddenEffects>
+            </a:ext>
+          </a:extLst>
+        </p:spPr>
+      </p:pic>
+      <p:sp>
+        <p:nvSpPr>
+          <p:cNvPr id="2" name="TextBox 1">
+            <a:extLst>
+              <a:ext uri="{FF2B5EF4-FFF2-40B4-BE49-F238E27FC236}">
+                <a16:creationId xmlns:a16="http://schemas.microsoft.com/office/drawing/2014/main" id="{E8B8D815-4949-20DD-F471-902237EFA801}"/>
+              </a:ext>
+            </a:extLst>
+          </p:cNvPr>
+          <p:cNvSpPr txBox="1"/>
+          <p:nvPr/>
+        </p:nvSpPr>
+        <p:spPr>
+          <a:xfrm>
+            <a:off x="3262951" y="2473151"/>
+            <a:ext cx="2911823" cy="307777"/>
+          </a:xfrm>
+          <a:prstGeom prst="rect">
+            <a:avLst/>
+          </a:prstGeom>
+          <a:solidFill>
+            <a:schemeClr val="bg1"/>
+          </a:solidFill>
+          <a:ln>
+            <a:noFill/>
+          </a:ln>
+        </p:spPr>
+        <p:txBody>
+          <a:bodyPr wrap="none" rtlCol="0">
+            <a:spAutoFit/>
+          </a:bodyPr>
+          <a:lstStyle/>
+          <a:p>
+            <a:pPr algn="ctr"/>
+            <a:r>
+              <a:rPr lang="en-US" sz="1400" dirty="0"/>
+              <a:t>A discrete signal with period of 6</a:t>
+            </a:r>
+          </a:p>
+        </p:txBody>
+      </p:sp>
+    </p:spTree>
+    <p:extLst>
+      <p:ext uri="{BB962C8B-B14F-4D97-AF65-F5344CB8AC3E}">
+        <p14:creationId xmlns:p14="http://schemas.microsoft.com/office/powerpoint/2010/main" val="1234715472"/>
       </p:ext>
     </p:extLst>
   </p:cSld>
